--- a/Cannula for Grasping and Setting Lead with Needle/Cannula for Grasping and Setting Lead with Needle.pptx
+++ b/Cannula for Grasping and Setting Lead with Needle/Cannula for Grasping and Setting Lead with Needle.pptx
@@ -4755,7 +4755,7 @@
           <a:p>
             <a:fld id="{8AF53062-8DF8-2841-9707-FD01D924E4AF}" type="datetimeFigureOut">
               <a:rPr lang="en-US" smtClean="0"/>
-              <a:t>7/26/24</a:t>
+              <a:t>7/27/24</a:t>
             </a:fld>
             <a:endParaRPr lang="en-US"/>
           </a:p>
@@ -4953,7 +4953,7 @@
           <a:p>
             <a:fld id="{8AF53062-8DF8-2841-9707-FD01D924E4AF}" type="datetimeFigureOut">
               <a:rPr lang="en-US" smtClean="0"/>
-              <a:t>7/26/24</a:t>
+              <a:t>7/27/24</a:t>
             </a:fld>
             <a:endParaRPr lang="en-US"/>
           </a:p>
@@ -5161,7 +5161,7 @@
           <a:p>
             <a:fld id="{8AF53062-8DF8-2841-9707-FD01D924E4AF}" type="datetimeFigureOut">
               <a:rPr lang="en-US" smtClean="0"/>
-              <a:t>7/26/24</a:t>
+              <a:t>7/27/24</a:t>
             </a:fld>
             <a:endParaRPr lang="en-US"/>
           </a:p>
@@ -5359,7 +5359,7 @@
           <a:p>
             <a:fld id="{8AF53062-8DF8-2841-9707-FD01D924E4AF}" type="datetimeFigureOut">
               <a:rPr lang="en-US" smtClean="0"/>
-              <a:t>7/26/24</a:t>
+              <a:t>7/27/24</a:t>
             </a:fld>
             <a:endParaRPr lang="en-US"/>
           </a:p>
@@ -5634,7 +5634,7 @@
           <a:p>
             <a:fld id="{8AF53062-8DF8-2841-9707-FD01D924E4AF}" type="datetimeFigureOut">
               <a:rPr lang="en-US" smtClean="0"/>
-              <a:t>7/26/24</a:t>
+              <a:t>7/27/24</a:t>
             </a:fld>
             <a:endParaRPr lang="en-US"/>
           </a:p>
@@ -5899,7 +5899,7 @@
           <a:p>
             <a:fld id="{8AF53062-8DF8-2841-9707-FD01D924E4AF}" type="datetimeFigureOut">
               <a:rPr lang="en-US" smtClean="0"/>
-              <a:t>7/26/24</a:t>
+              <a:t>7/27/24</a:t>
             </a:fld>
             <a:endParaRPr lang="en-US"/>
           </a:p>
@@ -6311,7 +6311,7 @@
           <a:p>
             <a:fld id="{8AF53062-8DF8-2841-9707-FD01D924E4AF}" type="datetimeFigureOut">
               <a:rPr lang="en-US" smtClean="0"/>
-              <a:t>7/26/24</a:t>
+              <a:t>7/27/24</a:t>
             </a:fld>
             <a:endParaRPr lang="en-US"/>
           </a:p>
@@ -6452,7 +6452,7 @@
           <a:p>
             <a:fld id="{8AF53062-8DF8-2841-9707-FD01D924E4AF}" type="datetimeFigureOut">
               <a:rPr lang="en-US" smtClean="0"/>
-              <a:t>7/26/24</a:t>
+              <a:t>7/27/24</a:t>
             </a:fld>
             <a:endParaRPr lang="en-US"/>
           </a:p>
@@ -6565,7 +6565,7 @@
           <a:p>
             <a:fld id="{8AF53062-8DF8-2841-9707-FD01D924E4AF}" type="datetimeFigureOut">
               <a:rPr lang="en-US" smtClean="0"/>
-              <a:t>7/26/24</a:t>
+              <a:t>7/27/24</a:t>
             </a:fld>
             <a:endParaRPr lang="en-US"/>
           </a:p>
@@ -6876,7 +6876,7 @@
           <a:p>
             <a:fld id="{8AF53062-8DF8-2841-9707-FD01D924E4AF}" type="datetimeFigureOut">
               <a:rPr lang="en-US" smtClean="0"/>
-              <a:t>7/26/24</a:t>
+              <a:t>7/27/24</a:t>
             </a:fld>
             <a:endParaRPr lang="en-US"/>
           </a:p>
@@ -7164,7 +7164,7 @@
           <a:p>
             <a:fld id="{8AF53062-8DF8-2841-9707-FD01D924E4AF}" type="datetimeFigureOut">
               <a:rPr lang="en-US" smtClean="0"/>
-              <a:t>7/26/24</a:t>
+              <a:t>7/27/24</a:t>
             </a:fld>
             <a:endParaRPr lang="en-US"/>
           </a:p>
@@ -7405,7 +7405,7 @@
           <a:p>
             <a:fld id="{8AF53062-8DF8-2841-9707-FD01D924E4AF}" type="datetimeFigureOut">
               <a:rPr lang="en-US" smtClean="0"/>
-              <a:t>7/26/24</a:t>
+              <a:t>7/27/24</a:t>
             </a:fld>
             <a:endParaRPr lang="en-US"/>
           </a:p>
@@ -7894,9 +7894,22 @@
           </a:p>
           <a:p>
             <a:r>
-              <a:rPr lang="en-US" dirty="0"/>
-              <a:t>6/19/2024</a:t>
-            </a:r>
+              <a:rPr lang="en-US" altLang="zh-CN"/>
+              <a:t>7</a:t>
+            </a:r>
+            <a:r>
+              <a:rPr lang="en-US"/>
+              <a:t>/</a:t>
+            </a:r>
+            <a:r>
+              <a:rPr lang="en-US" altLang="zh-CN"/>
+              <a:t>27</a:t>
+            </a:r>
+            <a:r>
+              <a:rPr lang="en-US"/>
+              <a:t>/2024</a:t>
+            </a:r>
+            <a:endParaRPr lang="en-US" dirty="0"/>
           </a:p>
         </p:txBody>
       </p:sp>
@@ -8142,8 +8155,8 @@
           </a:p>
         </p:txBody>
       </p:sp>
-      <mc:AlternateContent xmlns:mc="http://schemas.openxmlformats.org/markup-compatibility/2006">
-        <mc:Choice xmlns:p14="http://schemas.microsoft.com/office/powerpoint/2010/main" Requires="p14">
+      <mc:AlternateContent xmlns:mc="http://schemas.openxmlformats.org/markup-compatibility/2006" xmlns:p14="http://schemas.microsoft.com/office/powerpoint/2010/main">
+        <mc:Choice Requires="p14">
           <p:contentPart p14:bwMode="auto" r:id="rId3">
             <p14:nvContentPartPr>
               <p14:cNvPr id="11" name="Ink 10">
@@ -8162,7 +8175,7 @@
             </p14:xfrm>
           </p:contentPart>
         </mc:Choice>
-        <mc:Fallback>
+        <mc:Fallback xmlns="">
           <p:pic>
             <p:nvPicPr>
               <p:cNvPr id="11" name="Ink 10">
@@ -8193,8 +8206,8 @@
           </p:pic>
         </mc:Fallback>
       </mc:AlternateContent>
-      <mc:AlternateContent xmlns:mc="http://schemas.openxmlformats.org/markup-compatibility/2006">
-        <mc:Choice xmlns:p14="http://schemas.microsoft.com/office/powerpoint/2010/main" Requires="p14">
+      <mc:AlternateContent xmlns:mc="http://schemas.openxmlformats.org/markup-compatibility/2006" xmlns:p14="http://schemas.microsoft.com/office/powerpoint/2010/main">
+        <mc:Choice Requires="p14">
           <p:contentPart p14:bwMode="auto" r:id="rId5">
             <p14:nvContentPartPr>
               <p14:cNvPr id="12" name="Ink 11">
@@ -8213,7 +8226,7 @@
             </p14:xfrm>
           </p:contentPart>
         </mc:Choice>
-        <mc:Fallback>
+        <mc:Fallback xmlns="">
           <p:pic>
             <p:nvPicPr>
               <p:cNvPr id="12" name="Ink 11">
@@ -8721,8 +8734,8 @@
           </a:p>
         </p:txBody>
       </p:sp>
-      <mc:AlternateContent xmlns:mc="http://schemas.openxmlformats.org/markup-compatibility/2006">
-        <mc:Choice xmlns:p14="http://schemas.microsoft.com/office/powerpoint/2010/main" Requires="p14">
+      <mc:AlternateContent xmlns:mc="http://schemas.openxmlformats.org/markup-compatibility/2006" xmlns:p14="http://schemas.microsoft.com/office/powerpoint/2010/main">
+        <mc:Choice Requires="p14">
           <p:contentPart p14:bwMode="auto" r:id="rId3">
             <p14:nvContentPartPr>
               <p14:cNvPr id="16" name="Ink 15">
@@ -8741,7 +8754,7 @@
             </p14:xfrm>
           </p:contentPart>
         </mc:Choice>
-        <mc:Fallback>
+        <mc:Fallback xmlns="">
           <p:pic>
             <p:nvPicPr>
               <p:cNvPr id="16" name="Ink 15">
@@ -8772,8 +8785,8 @@
           </p:pic>
         </mc:Fallback>
       </mc:AlternateContent>
-      <mc:AlternateContent xmlns:mc="http://schemas.openxmlformats.org/markup-compatibility/2006">
-        <mc:Choice xmlns:p14="http://schemas.microsoft.com/office/powerpoint/2010/main" Requires="p14">
+      <mc:AlternateContent xmlns:mc="http://schemas.openxmlformats.org/markup-compatibility/2006" xmlns:p14="http://schemas.microsoft.com/office/powerpoint/2010/main">
+        <mc:Choice Requires="p14">
           <p:contentPart p14:bwMode="auto" r:id="rId5">
             <p14:nvContentPartPr>
               <p14:cNvPr id="17" name="Ink 16">
@@ -8792,7 +8805,7 @@
             </p14:xfrm>
           </p:contentPart>
         </mc:Choice>
-        <mc:Fallback>
+        <mc:Fallback xmlns="">
           <p:pic>
             <p:nvPicPr>
               <p:cNvPr id="17" name="Ink 16">
@@ -9210,8 +9223,8 @@
           </a:xfrm>
         </p:spPr>
       </p:pic>
-      <mc:AlternateContent xmlns:mc="http://schemas.openxmlformats.org/markup-compatibility/2006">
-        <mc:Choice xmlns:p14="http://schemas.microsoft.com/office/powerpoint/2010/main" Requires="p14">
+      <mc:AlternateContent xmlns:mc="http://schemas.openxmlformats.org/markup-compatibility/2006" xmlns:p14="http://schemas.microsoft.com/office/powerpoint/2010/main">
+        <mc:Choice Requires="p14">
           <p:contentPart p14:bwMode="auto" r:id="rId3">
             <p14:nvContentPartPr>
               <p14:cNvPr id="3" name="Ink 2">
@@ -9230,7 +9243,7 @@
             </p14:xfrm>
           </p:contentPart>
         </mc:Choice>
-        <mc:Fallback>
+        <mc:Fallback xmlns="">
           <p:pic>
             <p:nvPicPr>
               <p:cNvPr id="3" name="Ink 2">
@@ -9261,8 +9274,8 @@
           </p:pic>
         </mc:Fallback>
       </mc:AlternateContent>
-      <mc:AlternateContent xmlns:mc="http://schemas.openxmlformats.org/markup-compatibility/2006">
-        <mc:Choice xmlns:p14="http://schemas.microsoft.com/office/powerpoint/2010/main" Requires="p14">
+      <mc:AlternateContent xmlns:mc="http://schemas.openxmlformats.org/markup-compatibility/2006" xmlns:p14="http://schemas.microsoft.com/office/powerpoint/2010/main">
+        <mc:Choice Requires="p14">
           <p:contentPart p14:bwMode="auto" r:id="rId5">
             <p14:nvContentPartPr>
               <p14:cNvPr id="4" name="Ink 3">
@@ -9281,7 +9294,7 @@
             </p14:xfrm>
           </p:contentPart>
         </mc:Choice>
-        <mc:Fallback>
+        <mc:Fallback xmlns="">
           <p:pic>
             <p:nvPicPr>
               <p:cNvPr id="4" name="Ink 3">
@@ -9384,8 +9397,8 @@
             <a:chExt cx="1473120" cy="559080"/>
           </a:xfrm>
         </p:grpSpPr>
-        <mc:AlternateContent xmlns:mc="http://schemas.openxmlformats.org/markup-compatibility/2006">
-          <mc:Choice xmlns:p14="http://schemas.microsoft.com/office/powerpoint/2010/main" Requires="p14">
+        <mc:AlternateContent xmlns:mc="http://schemas.openxmlformats.org/markup-compatibility/2006" xmlns:p14="http://schemas.microsoft.com/office/powerpoint/2010/main">
+          <mc:Choice Requires="p14">
             <p:contentPart p14:bwMode="auto" r:id="rId7">
               <p14:nvContentPartPr>
                 <p14:cNvPr id="8" name="Ink 7">
@@ -9404,7 +9417,7 @@
               </p14:xfrm>
             </p:contentPart>
           </mc:Choice>
-          <mc:Fallback>
+          <mc:Fallback xmlns="">
             <p:pic>
               <p:nvPicPr>
                 <p:cNvPr id="8" name="Ink 7">
@@ -9435,8 +9448,8 @@
             </p:pic>
           </mc:Fallback>
         </mc:AlternateContent>
-        <mc:AlternateContent xmlns:mc="http://schemas.openxmlformats.org/markup-compatibility/2006">
-          <mc:Choice xmlns:p14="http://schemas.microsoft.com/office/powerpoint/2010/main" Requires="p14">
+        <mc:AlternateContent xmlns:mc="http://schemas.openxmlformats.org/markup-compatibility/2006" xmlns:p14="http://schemas.microsoft.com/office/powerpoint/2010/main">
+          <mc:Choice Requires="p14">
             <p:contentPart p14:bwMode="auto" r:id="rId9">
               <p14:nvContentPartPr>
                 <p14:cNvPr id="9" name="Ink 8">
@@ -9455,7 +9468,7 @@
               </p14:xfrm>
             </p:contentPart>
           </mc:Choice>
-          <mc:Fallback>
+          <mc:Fallback xmlns="">
             <p:pic>
               <p:nvPicPr>
                 <p:cNvPr id="9" name="Ink 8">
@@ -10289,8 +10302,8 @@
           </a:p>
         </p:txBody>
       </p:sp>
-      <mc:AlternateContent xmlns:mc="http://schemas.openxmlformats.org/markup-compatibility/2006">
-        <mc:Choice xmlns:p14="http://schemas.microsoft.com/office/powerpoint/2010/main" Requires="p14">
+      <mc:AlternateContent xmlns:mc="http://schemas.openxmlformats.org/markup-compatibility/2006" xmlns:p14="http://schemas.microsoft.com/office/powerpoint/2010/main">
+        <mc:Choice Requires="p14">
           <p:contentPart p14:bwMode="auto" r:id="rId3">
             <p14:nvContentPartPr>
               <p14:cNvPr id="19" name="Ink 18">
@@ -10309,7 +10322,7 @@
             </p14:xfrm>
           </p:contentPart>
         </mc:Choice>
-        <mc:Fallback>
+        <mc:Fallback xmlns="">
           <p:pic>
             <p:nvPicPr>
               <p:cNvPr id="19" name="Ink 18">
@@ -10360,8 +10373,8 @@
             <a:chExt cx="349920" cy="228960"/>
           </a:xfrm>
         </p:grpSpPr>
-        <mc:AlternateContent xmlns:mc="http://schemas.openxmlformats.org/markup-compatibility/2006">
-          <mc:Choice xmlns:p14="http://schemas.microsoft.com/office/powerpoint/2010/main" Requires="p14">
+        <mc:AlternateContent xmlns:mc="http://schemas.openxmlformats.org/markup-compatibility/2006" xmlns:p14="http://schemas.microsoft.com/office/powerpoint/2010/main">
+          <mc:Choice Requires="p14">
             <p:contentPart p14:bwMode="auto" r:id="rId5">
               <p14:nvContentPartPr>
                 <p14:cNvPr id="22" name="Ink 21">
@@ -10380,7 +10393,7 @@
               </p14:xfrm>
             </p:contentPart>
           </mc:Choice>
-          <mc:Fallback>
+          <mc:Fallback xmlns="">
             <p:pic>
               <p:nvPicPr>
                 <p:cNvPr id="22" name="Ink 21">
@@ -10411,8 +10424,8 @@
             </p:pic>
           </mc:Fallback>
         </mc:AlternateContent>
-        <mc:AlternateContent xmlns:mc="http://schemas.openxmlformats.org/markup-compatibility/2006">
-          <mc:Choice xmlns:p14="http://schemas.microsoft.com/office/powerpoint/2010/main" Requires="p14">
+        <mc:AlternateContent xmlns:mc="http://schemas.openxmlformats.org/markup-compatibility/2006" xmlns:p14="http://schemas.microsoft.com/office/powerpoint/2010/main">
+          <mc:Choice Requires="p14">
             <p:contentPart p14:bwMode="auto" r:id="rId7">
               <p14:nvContentPartPr>
                 <p14:cNvPr id="23" name="Ink 22">
@@ -10431,7 +10444,7 @@
               </p14:xfrm>
             </p:contentPart>
           </mc:Choice>
-          <mc:Fallback>
+          <mc:Fallback xmlns="">
             <p:pic>
               <p:nvPicPr>
                 <p:cNvPr id="23" name="Ink 22">
@@ -10462,8 +10475,8 @@
             </p:pic>
           </mc:Fallback>
         </mc:AlternateContent>
-        <mc:AlternateContent xmlns:mc="http://schemas.openxmlformats.org/markup-compatibility/2006">
-          <mc:Choice xmlns:p14="http://schemas.microsoft.com/office/powerpoint/2010/main" Requires="p14">
+        <mc:AlternateContent xmlns:mc="http://schemas.openxmlformats.org/markup-compatibility/2006" xmlns:p14="http://schemas.microsoft.com/office/powerpoint/2010/main">
+          <mc:Choice Requires="p14">
             <p:contentPart p14:bwMode="auto" r:id="rId9">
               <p14:nvContentPartPr>
                 <p14:cNvPr id="24" name="Ink 23">
@@ -10482,7 +10495,7 @@
               </p14:xfrm>
             </p:contentPart>
           </mc:Choice>
-          <mc:Fallback>
+          <mc:Fallback xmlns="">
             <p:pic>
               <p:nvPicPr>
                 <p:cNvPr id="24" name="Ink 23">
@@ -11062,8 +11075,8 @@
           </a:p>
         </p:txBody>
       </p:sp>
-      <mc:AlternateContent xmlns:mc="http://schemas.openxmlformats.org/markup-compatibility/2006">
-        <mc:Choice xmlns:p14="http://schemas.microsoft.com/office/powerpoint/2010/main" Requires="p14">
+      <mc:AlternateContent xmlns:mc="http://schemas.openxmlformats.org/markup-compatibility/2006" xmlns:p14="http://schemas.microsoft.com/office/powerpoint/2010/main">
+        <mc:Choice Requires="p14">
           <p:contentPart p14:bwMode="auto" r:id="rId3">
             <p14:nvContentPartPr>
               <p14:cNvPr id="17" name="Ink 16">
@@ -11082,7 +11095,7 @@
             </p14:xfrm>
           </p:contentPart>
         </mc:Choice>
-        <mc:Fallback>
+        <mc:Fallback xmlns="">
           <p:pic>
             <p:nvPicPr>
               <p:cNvPr id="17" name="Ink 16">
@@ -11152,8 +11165,8 @@
           </a:p>
         </p:txBody>
       </p:sp>
-      <mc:AlternateContent xmlns:mc="http://schemas.openxmlformats.org/markup-compatibility/2006">
-        <mc:Choice xmlns:p14="http://schemas.microsoft.com/office/powerpoint/2010/main" Requires="p14">
+      <mc:AlternateContent xmlns:mc="http://schemas.openxmlformats.org/markup-compatibility/2006" xmlns:p14="http://schemas.microsoft.com/office/powerpoint/2010/main">
+        <mc:Choice Requires="p14">
           <p:contentPart p14:bwMode="auto" r:id="rId5">
             <p14:nvContentPartPr>
               <p14:cNvPr id="19" name="Ink 18">
@@ -11172,7 +11185,7 @@
             </p14:xfrm>
           </p:contentPart>
         </mc:Choice>
-        <mc:Fallback>
+        <mc:Fallback xmlns="">
           <p:pic>
             <p:nvPicPr>
               <p:cNvPr id="19" name="Ink 18">
@@ -11543,8 +11556,8 @@
           </a:p>
         </p:txBody>
       </p:sp>
-      <mc:AlternateContent xmlns:mc="http://schemas.openxmlformats.org/markup-compatibility/2006">
-        <mc:Choice xmlns:p14="http://schemas.microsoft.com/office/powerpoint/2010/main" Requires="p14">
+      <mc:AlternateContent xmlns:mc="http://schemas.openxmlformats.org/markup-compatibility/2006" xmlns:p14="http://schemas.microsoft.com/office/powerpoint/2010/main">
+        <mc:Choice Requires="p14">
           <p:contentPart p14:bwMode="auto" r:id="rId3">
             <p14:nvContentPartPr>
               <p14:cNvPr id="8" name="Ink 7">
@@ -11563,7 +11576,7 @@
             </p14:xfrm>
           </p:contentPart>
         </mc:Choice>
-        <mc:Fallback>
+        <mc:Fallback xmlns="">
           <p:pic>
             <p:nvPicPr>
               <p:cNvPr id="8" name="Ink 7">
@@ -11594,8 +11607,8 @@
           </p:pic>
         </mc:Fallback>
       </mc:AlternateContent>
-      <mc:AlternateContent xmlns:mc="http://schemas.openxmlformats.org/markup-compatibility/2006">
-        <mc:Choice xmlns:p14="http://schemas.microsoft.com/office/powerpoint/2010/main" Requires="p14">
+      <mc:AlternateContent xmlns:mc="http://schemas.openxmlformats.org/markup-compatibility/2006" xmlns:p14="http://schemas.microsoft.com/office/powerpoint/2010/main">
+        <mc:Choice Requires="p14">
           <p:contentPart p14:bwMode="auto" r:id="rId5">
             <p14:nvContentPartPr>
               <p14:cNvPr id="9" name="Ink 8">
@@ -11614,7 +11627,7 @@
             </p14:xfrm>
           </p:contentPart>
         </mc:Choice>
-        <mc:Fallback>
+        <mc:Fallback xmlns="">
           <p:pic>
             <p:nvPicPr>
               <p:cNvPr id="9" name="Ink 8">
@@ -11680,8 +11693,8 @@
           </a:p>
         </p:txBody>
       </p:sp>
-      <mc:AlternateContent xmlns:mc="http://schemas.openxmlformats.org/markup-compatibility/2006">
-        <mc:Choice xmlns:p14="http://schemas.microsoft.com/office/powerpoint/2010/main" Requires="p14">
+      <mc:AlternateContent xmlns:mc="http://schemas.openxmlformats.org/markup-compatibility/2006" xmlns:p14="http://schemas.microsoft.com/office/powerpoint/2010/main">
+        <mc:Choice Requires="p14">
           <p:contentPart p14:bwMode="auto" r:id="rId7">
             <p14:nvContentPartPr>
               <p14:cNvPr id="11" name="Ink 10">
@@ -11700,7 +11713,7 @@
             </p14:xfrm>
           </p:contentPart>
         </mc:Choice>
-        <mc:Fallback>
+        <mc:Fallback xmlns="">
           <p:pic>
             <p:nvPicPr>
               <p:cNvPr id="11" name="Ink 10">
@@ -11731,8 +11744,8 @@
           </p:pic>
         </mc:Fallback>
       </mc:AlternateContent>
-      <mc:AlternateContent xmlns:mc="http://schemas.openxmlformats.org/markup-compatibility/2006">
-        <mc:Choice xmlns:p14="http://schemas.microsoft.com/office/powerpoint/2010/main" Requires="p14">
+      <mc:AlternateContent xmlns:mc="http://schemas.openxmlformats.org/markup-compatibility/2006" xmlns:p14="http://schemas.microsoft.com/office/powerpoint/2010/main">
+        <mc:Choice Requires="p14">
           <p:contentPart p14:bwMode="auto" r:id="rId9">
             <p14:nvContentPartPr>
               <p14:cNvPr id="12" name="Ink 11">
@@ -11751,7 +11764,7 @@
             </p14:xfrm>
           </p:contentPart>
         </mc:Choice>
-        <mc:Fallback>
+        <mc:Fallback xmlns="">
           <p:pic>
             <p:nvPicPr>
               <p:cNvPr id="12" name="Ink 11">
@@ -12270,8 +12283,8 @@
           </a:p>
         </p:txBody>
       </p:sp>
-      <mc:AlternateContent xmlns:mc="http://schemas.openxmlformats.org/markup-compatibility/2006">
-        <mc:Choice xmlns:p14="http://schemas.microsoft.com/office/powerpoint/2010/main" Requires="p14">
+      <mc:AlternateContent xmlns:mc="http://schemas.openxmlformats.org/markup-compatibility/2006" xmlns:p14="http://schemas.microsoft.com/office/powerpoint/2010/main">
+        <mc:Choice Requires="p14">
           <p:contentPart p14:bwMode="auto" r:id="rId3">
             <p14:nvContentPartPr>
               <p14:cNvPr id="17" name="Ink 16">
@@ -12290,7 +12303,7 @@
             </p14:xfrm>
           </p:contentPart>
         </mc:Choice>
-        <mc:Fallback>
+        <mc:Fallback xmlns="">
           <p:pic>
             <p:nvPicPr>
               <p:cNvPr id="17" name="Ink 16">
@@ -12321,8 +12334,8 @@
           </p:pic>
         </mc:Fallback>
       </mc:AlternateContent>
-      <mc:AlternateContent xmlns:mc="http://schemas.openxmlformats.org/markup-compatibility/2006">
-        <mc:Choice xmlns:p14="http://schemas.microsoft.com/office/powerpoint/2010/main" Requires="p14">
+      <mc:AlternateContent xmlns:mc="http://schemas.openxmlformats.org/markup-compatibility/2006" xmlns:p14="http://schemas.microsoft.com/office/powerpoint/2010/main">
+        <mc:Choice Requires="p14">
           <p:contentPart p14:bwMode="auto" r:id="rId5">
             <p14:nvContentPartPr>
               <p14:cNvPr id="18" name="Ink 17">
@@ -12341,7 +12354,7 @@
             </p14:xfrm>
           </p:contentPart>
         </mc:Choice>
-        <mc:Fallback>
+        <mc:Fallback xmlns="">
           <p:pic>
             <p:nvPicPr>
               <p:cNvPr id="18" name="Ink 17">
@@ -12854,8 +12867,8 @@
           </a:p>
         </p:txBody>
       </p:sp>
-      <mc:AlternateContent xmlns:mc="http://schemas.openxmlformats.org/markup-compatibility/2006">
-        <mc:Choice xmlns:p14="http://schemas.microsoft.com/office/powerpoint/2010/main" Requires="p14">
+      <mc:AlternateContent xmlns:mc="http://schemas.openxmlformats.org/markup-compatibility/2006" xmlns:p14="http://schemas.microsoft.com/office/powerpoint/2010/main">
+        <mc:Choice Requires="p14">
           <p:contentPart p14:bwMode="auto" r:id="rId3">
             <p14:nvContentPartPr>
               <p14:cNvPr id="14" name="Ink 13">
@@ -12874,7 +12887,7 @@
             </p14:xfrm>
           </p:contentPart>
         </mc:Choice>
-        <mc:Fallback>
+        <mc:Fallback xmlns="">
           <p:pic>
             <p:nvPicPr>
               <p:cNvPr id="14" name="Ink 13">
@@ -12905,8 +12918,8 @@
           </p:pic>
         </mc:Fallback>
       </mc:AlternateContent>
-      <mc:AlternateContent xmlns:mc="http://schemas.openxmlformats.org/markup-compatibility/2006">
-        <mc:Choice xmlns:p14="http://schemas.microsoft.com/office/powerpoint/2010/main" Requires="p14">
+      <mc:AlternateContent xmlns:mc="http://schemas.openxmlformats.org/markup-compatibility/2006" xmlns:p14="http://schemas.microsoft.com/office/powerpoint/2010/main">
+        <mc:Choice Requires="p14">
           <p:contentPart p14:bwMode="auto" r:id="rId5">
             <p14:nvContentPartPr>
               <p14:cNvPr id="15" name="Ink 14">
@@ -12925,7 +12938,7 @@
             </p14:xfrm>
           </p:contentPart>
         </mc:Choice>
-        <mc:Fallback>
+        <mc:Fallback xmlns="">
           <p:pic>
             <p:nvPicPr>
               <p:cNvPr id="15" name="Ink 14">
@@ -13763,8 +13776,8 @@
           </a:xfrm>
         </p:spPr>
       </p:pic>
-      <mc:AlternateContent xmlns:mc="http://schemas.openxmlformats.org/markup-compatibility/2006">
-        <mc:Choice xmlns:p14="http://schemas.microsoft.com/office/powerpoint/2010/main" Requires="p14">
+      <mc:AlternateContent xmlns:mc="http://schemas.openxmlformats.org/markup-compatibility/2006" xmlns:p14="http://schemas.microsoft.com/office/powerpoint/2010/main">
+        <mc:Choice Requires="p14">
           <p:contentPart p14:bwMode="auto" r:id="rId4">
             <p14:nvContentPartPr>
               <p14:cNvPr id="13" name="Ink 12">
@@ -13783,7 +13796,7 @@
             </p14:xfrm>
           </p:contentPart>
         </mc:Choice>
-        <mc:Fallback>
+        <mc:Fallback xmlns="">
           <p:pic>
             <p:nvPicPr>
               <p:cNvPr id="13" name="Ink 12">
@@ -13931,8 +13944,8 @@
           </a:xfrm>
         </p:spPr>
       </p:pic>
-      <mc:AlternateContent xmlns:mc="http://schemas.openxmlformats.org/markup-compatibility/2006">
-        <mc:Choice xmlns:p14="http://schemas.microsoft.com/office/powerpoint/2010/main" Requires="p14">
+      <mc:AlternateContent xmlns:mc="http://schemas.openxmlformats.org/markup-compatibility/2006" xmlns:p14="http://schemas.microsoft.com/office/powerpoint/2010/main">
+        <mc:Choice Requires="p14">
           <p:contentPart p14:bwMode="auto" r:id="rId4">
             <p14:nvContentPartPr>
               <p14:cNvPr id="7" name="Ink 6">
@@ -13951,7 +13964,7 @@
             </p14:xfrm>
           </p:contentPart>
         </mc:Choice>
-        <mc:Fallback>
+        <mc:Fallback xmlns="">
           <p:pic>
             <p:nvPicPr>
               <p:cNvPr id="7" name="Ink 6">
@@ -14099,8 +14112,8 @@
           </a:xfrm>
         </p:spPr>
       </p:pic>
-      <mc:AlternateContent xmlns:mc="http://schemas.openxmlformats.org/markup-compatibility/2006">
-        <mc:Choice xmlns:p14="http://schemas.microsoft.com/office/powerpoint/2010/main" Requires="p14">
+      <mc:AlternateContent xmlns:mc="http://schemas.openxmlformats.org/markup-compatibility/2006" xmlns:p14="http://schemas.microsoft.com/office/powerpoint/2010/main">
+        <mc:Choice Requires="p14">
           <p:contentPart p14:bwMode="auto" r:id="rId4">
             <p14:nvContentPartPr>
               <p14:cNvPr id="6" name="Ink 5">
@@ -14119,7 +14132,7 @@
             </p14:xfrm>
           </p:contentPart>
         </mc:Choice>
-        <mc:Fallback>
+        <mc:Fallback xmlns="">
           <p:pic>
             <p:nvPicPr>
               <p:cNvPr id="6" name="Ink 5">
@@ -14267,8 +14280,8 @@
           </a:xfrm>
         </p:spPr>
       </p:pic>
-      <mc:AlternateContent xmlns:mc="http://schemas.openxmlformats.org/markup-compatibility/2006">
-        <mc:Choice xmlns:p14="http://schemas.microsoft.com/office/powerpoint/2010/main" Requires="p14">
+      <mc:AlternateContent xmlns:mc="http://schemas.openxmlformats.org/markup-compatibility/2006" xmlns:p14="http://schemas.microsoft.com/office/powerpoint/2010/main">
+        <mc:Choice Requires="p14">
           <p:contentPart p14:bwMode="auto" r:id="rId4">
             <p14:nvContentPartPr>
               <p14:cNvPr id="6" name="Ink 5">
@@ -14287,7 +14300,7 @@
             </p14:xfrm>
           </p:contentPart>
         </mc:Choice>
-        <mc:Fallback>
+        <mc:Fallback xmlns="">
           <p:pic>
             <p:nvPicPr>
               <p:cNvPr id="6" name="Ink 5">
@@ -14436,8 +14449,8 @@
           </a:prstGeom>
         </p:spPr>
       </p:pic>
-      <mc:AlternateContent xmlns:mc="http://schemas.openxmlformats.org/markup-compatibility/2006">
-        <mc:Choice xmlns:p14="http://schemas.microsoft.com/office/powerpoint/2010/main" Requires="p14">
+      <mc:AlternateContent xmlns:mc="http://schemas.openxmlformats.org/markup-compatibility/2006" xmlns:p14="http://schemas.microsoft.com/office/powerpoint/2010/main">
+        <mc:Choice Requires="p14">
           <p:contentPart p14:bwMode="auto" r:id="rId4">
             <p14:nvContentPartPr>
               <p14:cNvPr id="6" name="Ink 5">
@@ -14456,7 +14469,7 @@
             </p14:xfrm>
           </p:contentPart>
         </mc:Choice>
-        <mc:Fallback>
+        <mc:Fallback xmlns="">
           <p:pic>
             <p:nvPicPr>
               <p:cNvPr id="6" name="Ink 5">
@@ -15368,8 +15381,8 @@
             <a:chExt cx="2559624" cy="1824840"/>
           </a:xfrm>
         </p:grpSpPr>
-        <mc:AlternateContent xmlns:mc="http://schemas.openxmlformats.org/markup-compatibility/2006">
-          <mc:Choice xmlns:p14="http://schemas.microsoft.com/office/powerpoint/2010/main" Requires="p14">
+        <mc:AlternateContent xmlns:mc="http://schemas.openxmlformats.org/markup-compatibility/2006" xmlns:p14="http://schemas.microsoft.com/office/powerpoint/2010/main">
+          <mc:Choice Requires="p14">
             <p:contentPart p14:bwMode="auto" r:id="rId4">
               <p14:nvContentPartPr>
                 <p14:cNvPr id="12" name="Ink 11">
@@ -15388,7 +15401,7 @@
               </p14:xfrm>
             </p:contentPart>
           </mc:Choice>
-          <mc:Fallback>
+          <mc:Fallback xmlns="">
             <p:pic>
               <p:nvPicPr>
                 <p:cNvPr id="12" name="Ink 11">
@@ -15419,8 +15432,8 @@
             </p:pic>
           </mc:Fallback>
         </mc:AlternateContent>
-        <mc:AlternateContent xmlns:mc="http://schemas.openxmlformats.org/markup-compatibility/2006">
-          <mc:Choice xmlns:p14="http://schemas.microsoft.com/office/powerpoint/2010/main" Requires="p14">
+        <mc:AlternateContent xmlns:mc="http://schemas.openxmlformats.org/markup-compatibility/2006" xmlns:p14="http://schemas.microsoft.com/office/powerpoint/2010/main">
+          <mc:Choice Requires="p14">
             <p:contentPart p14:bwMode="auto" r:id="rId6">
               <p14:nvContentPartPr>
                 <p14:cNvPr id="13" name="Ink 12">
@@ -15439,7 +15452,7 @@
               </p14:xfrm>
             </p:contentPart>
           </mc:Choice>
-          <mc:Fallback>
+          <mc:Fallback xmlns="">
             <p:pic>
               <p:nvPicPr>
                 <p:cNvPr id="13" name="Ink 12">
@@ -15470,8 +15483,8 @@
             </p:pic>
           </mc:Fallback>
         </mc:AlternateContent>
-        <mc:AlternateContent xmlns:mc="http://schemas.openxmlformats.org/markup-compatibility/2006">
-          <mc:Choice xmlns:p14="http://schemas.microsoft.com/office/powerpoint/2010/main" Requires="p14">
+        <mc:AlternateContent xmlns:mc="http://schemas.openxmlformats.org/markup-compatibility/2006" xmlns:p14="http://schemas.microsoft.com/office/powerpoint/2010/main">
+          <mc:Choice Requires="p14">
             <p:contentPart p14:bwMode="auto" r:id="rId8">
               <p14:nvContentPartPr>
                 <p14:cNvPr id="21" name="Ink 20">
@@ -15490,7 +15503,7 @@
               </p14:xfrm>
             </p:contentPart>
           </mc:Choice>
-          <mc:Fallback>
+          <mc:Fallback xmlns="">
             <p:pic>
               <p:nvPicPr>
                 <p:cNvPr id="21" name="Ink 20">
@@ -15522,8 +15535,8 @@
           </mc:Fallback>
         </mc:AlternateContent>
       </p:grpSp>
-      <mc:AlternateContent xmlns:mc="http://schemas.openxmlformats.org/markup-compatibility/2006">
-        <mc:Choice xmlns:p14="http://schemas.microsoft.com/office/powerpoint/2010/main" Requires="p14">
+      <mc:AlternateContent xmlns:mc="http://schemas.openxmlformats.org/markup-compatibility/2006" xmlns:p14="http://schemas.microsoft.com/office/powerpoint/2010/main">
+        <mc:Choice Requires="p14">
           <p:contentPart p14:bwMode="auto" r:id="rId10">
             <p14:nvContentPartPr>
               <p14:cNvPr id="23" name="Ink 22">
@@ -15542,7 +15555,7 @@
             </p14:xfrm>
           </p:contentPart>
         </mc:Choice>
-        <mc:Fallback>
+        <mc:Fallback xmlns="">
           <p:pic>
             <p:nvPicPr>
               <p:cNvPr id="23" name="Ink 22">
@@ -16454,8 +16467,8 @@
             <a:chExt cx="1647360" cy="182880"/>
           </a:xfrm>
         </p:grpSpPr>
-        <mc:AlternateContent xmlns:mc="http://schemas.openxmlformats.org/markup-compatibility/2006">
-          <mc:Choice xmlns:p14="http://schemas.microsoft.com/office/powerpoint/2010/main" Requires="p14">
+        <mc:AlternateContent xmlns:mc="http://schemas.openxmlformats.org/markup-compatibility/2006" xmlns:p14="http://schemas.microsoft.com/office/powerpoint/2010/main">
+          <mc:Choice Requires="p14">
             <p:contentPart p14:bwMode="auto" r:id="rId3">
               <p14:nvContentPartPr>
                 <p14:cNvPr id="10" name="Ink 9">
@@ -16474,7 +16487,7 @@
               </p14:xfrm>
             </p:contentPart>
           </mc:Choice>
-          <mc:Fallback>
+          <mc:Fallback xmlns="">
             <p:pic>
               <p:nvPicPr>
                 <p:cNvPr id="10" name="Ink 9">
@@ -16505,8 +16518,8 @@
             </p:pic>
           </mc:Fallback>
         </mc:AlternateContent>
-        <mc:AlternateContent xmlns:mc="http://schemas.openxmlformats.org/markup-compatibility/2006">
-          <mc:Choice xmlns:p14="http://schemas.microsoft.com/office/powerpoint/2010/main" Requires="p14">
+        <mc:AlternateContent xmlns:mc="http://schemas.openxmlformats.org/markup-compatibility/2006" xmlns:p14="http://schemas.microsoft.com/office/powerpoint/2010/main">
+          <mc:Choice Requires="p14">
             <p:contentPart p14:bwMode="auto" r:id="rId5">
               <p14:nvContentPartPr>
                 <p14:cNvPr id="11" name="Ink 10">
@@ -16525,7 +16538,7 @@
               </p14:xfrm>
             </p:contentPart>
           </mc:Choice>
-          <mc:Fallback>
+          <mc:Fallback xmlns="">
             <p:pic>
               <p:nvPicPr>
                 <p:cNvPr id="11" name="Ink 10">
@@ -16557,8 +16570,8 @@
           </mc:Fallback>
         </mc:AlternateContent>
       </p:grpSp>
-      <mc:AlternateContent xmlns:mc="http://schemas.openxmlformats.org/markup-compatibility/2006">
-        <mc:Choice xmlns:p14="http://schemas.microsoft.com/office/powerpoint/2010/main" Requires="p14">
+      <mc:AlternateContent xmlns:mc="http://schemas.openxmlformats.org/markup-compatibility/2006" xmlns:p14="http://schemas.microsoft.com/office/powerpoint/2010/main">
+        <mc:Choice Requires="p14">
           <p:contentPart p14:bwMode="auto" r:id="rId7">
             <p14:nvContentPartPr>
               <p14:cNvPr id="14" name="Ink 13">
@@ -16577,7 +16590,7 @@
             </p14:xfrm>
           </p:contentPart>
         </mc:Choice>
-        <mc:Fallback>
+        <mc:Fallback xmlns="">
           <p:pic>
             <p:nvPicPr>
               <p:cNvPr id="14" name="Ink 13">
@@ -17489,8 +17502,8 @@
             <a:chExt cx="1647360" cy="182880"/>
           </a:xfrm>
         </p:grpSpPr>
-        <mc:AlternateContent xmlns:mc="http://schemas.openxmlformats.org/markup-compatibility/2006">
-          <mc:Choice xmlns:p14="http://schemas.microsoft.com/office/powerpoint/2010/main" Requires="p14">
+        <mc:AlternateContent xmlns:mc="http://schemas.openxmlformats.org/markup-compatibility/2006" xmlns:p14="http://schemas.microsoft.com/office/powerpoint/2010/main">
+          <mc:Choice Requires="p14">
             <p:contentPart p14:bwMode="auto" r:id="rId3">
               <p14:nvContentPartPr>
                 <p14:cNvPr id="10" name="Ink 9">
@@ -17509,7 +17522,7 @@
               </p14:xfrm>
             </p:contentPart>
           </mc:Choice>
-          <mc:Fallback>
+          <mc:Fallback xmlns="">
             <p:pic>
               <p:nvPicPr>
                 <p:cNvPr id="10" name="Ink 9">
@@ -17540,8 +17553,8 @@
             </p:pic>
           </mc:Fallback>
         </mc:AlternateContent>
-        <mc:AlternateContent xmlns:mc="http://schemas.openxmlformats.org/markup-compatibility/2006">
-          <mc:Choice xmlns:p14="http://schemas.microsoft.com/office/powerpoint/2010/main" Requires="p14">
+        <mc:AlternateContent xmlns:mc="http://schemas.openxmlformats.org/markup-compatibility/2006" xmlns:p14="http://schemas.microsoft.com/office/powerpoint/2010/main">
+          <mc:Choice Requires="p14">
             <p:contentPart p14:bwMode="auto" r:id="rId5">
               <p14:nvContentPartPr>
                 <p14:cNvPr id="11" name="Ink 10">
@@ -17560,7 +17573,7 @@
               </p14:xfrm>
             </p:contentPart>
           </mc:Choice>
-          <mc:Fallback>
+          <mc:Fallback xmlns="">
             <p:pic>
               <p:nvPicPr>
                 <p:cNvPr id="11" name="Ink 10">
@@ -17592,8 +17605,8 @@
           </mc:Fallback>
         </mc:AlternateContent>
       </p:grpSp>
-      <mc:AlternateContent xmlns:mc="http://schemas.openxmlformats.org/markup-compatibility/2006">
-        <mc:Choice xmlns:p14="http://schemas.microsoft.com/office/powerpoint/2010/main" Requires="p14">
+      <mc:AlternateContent xmlns:mc="http://schemas.openxmlformats.org/markup-compatibility/2006" xmlns:p14="http://schemas.microsoft.com/office/powerpoint/2010/main">
+        <mc:Choice Requires="p14">
           <p:contentPart p14:bwMode="auto" r:id="rId7">
             <p14:nvContentPartPr>
               <p14:cNvPr id="12" name="Ink 11">
@@ -17612,7 +17625,7 @@
             </p14:xfrm>
           </p:contentPart>
         </mc:Choice>
-        <mc:Fallback>
+        <mc:Fallback xmlns="">
           <p:pic>
             <p:nvPicPr>
               <p:cNvPr id="12" name="Ink 11">
@@ -19979,8 +19992,8 @@
           </a:p>
         </p:txBody>
       </p:sp>
-      <mc:AlternateContent xmlns:mc="http://schemas.openxmlformats.org/markup-compatibility/2006">
-        <mc:Choice xmlns:p14="http://schemas.microsoft.com/office/powerpoint/2010/main" Requires="p14">
+      <mc:AlternateContent xmlns:mc="http://schemas.openxmlformats.org/markup-compatibility/2006" xmlns:p14="http://schemas.microsoft.com/office/powerpoint/2010/main">
+        <mc:Choice Requires="p14">
           <p:contentPart p14:bwMode="auto" r:id="rId3">
             <p14:nvContentPartPr>
               <p14:cNvPr id="35" name="Ink 34">
@@ -19999,7 +20012,7 @@
             </p14:xfrm>
           </p:contentPart>
         </mc:Choice>
-        <mc:Fallback>
+        <mc:Fallback xmlns="">
           <p:pic>
             <p:nvPicPr>
               <p:cNvPr id="35" name="Ink 34">
@@ -20030,8 +20043,8 @@
           </p:pic>
         </mc:Fallback>
       </mc:AlternateContent>
-      <mc:AlternateContent xmlns:mc="http://schemas.openxmlformats.org/markup-compatibility/2006">
-        <mc:Choice xmlns:p14="http://schemas.microsoft.com/office/powerpoint/2010/main" Requires="p14">
+      <mc:AlternateContent xmlns:mc="http://schemas.openxmlformats.org/markup-compatibility/2006" xmlns:p14="http://schemas.microsoft.com/office/powerpoint/2010/main">
+        <mc:Choice Requires="p14">
           <p:contentPart p14:bwMode="auto" r:id="rId5">
             <p14:nvContentPartPr>
               <p14:cNvPr id="36" name="Ink 35">
@@ -20050,7 +20063,7 @@
             </p14:xfrm>
           </p:contentPart>
         </mc:Choice>
-        <mc:Fallback>
+        <mc:Fallback xmlns="">
           <p:pic>
             <p:nvPicPr>
               <p:cNvPr id="36" name="Ink 35">
@@ -20081,8 +20094,8 @@
           </p:pic>
         </mc:Fallback>
       </mc:AlternateContent>
-      <mc:AlternateContent xmlns:mc="http://schemas.openxmlformats.org/markup-compatibility/2006">
-        <mc:Choice xmlns:p14="http://schemas.microsoft.com/office/powerpoint/2010/main" Requires="p14">
+      <mc:AlternateContent xmlns:mc="http://schemas.openxmlformats.org/markup-compatibility/2006" xmlns:p14="http://schemas.microsoft.com/office/powerpoint/2010/main">
+        <mc:Choice Requires="p14">
           <p:contentPart p14:bwMode="auto" r:id="rId7">
             <p14:nvContentPartPr>
               <p14:cNvPr id="37" name="Ink 36">
@@ -20101,7 +20114,7 @@
             </p14:xfrm>
           </p:contentPart>
         </mc:Choice>
-        <mc:Fallback>
+        <mc:Fallback xmlns="">
           <p:pic>
             <p:nvPicPr>
               <p:cNvPr id="37" name="Ink 36">
@@ -20426,8 +20439,8 @@
           </a:prstGeom>
         </p:spPr>
       </p:pic>
-      <mc:AlternateContent xmlns:mc="http://schemas.openxmlformats.org/markup-compatibility/2006">
-        <mc:Choice xmlns:p14="http://schemas.microsoft.com/office/powerpoint/2010/main" Requires="p14">
+      <mc:AlternateContent xmlns:mc="http://schemas.openxmlformats.org/markup-compatibility/2006" xmlns:p14="http://schemas.microsoft.com/office/powerpoint/2010/main">
+        <mc:Choice Requires="p14">
           <p:contentPart p14:bwMode="auto" r:id="rId3">
             <p14:nvContentPartPr>
               <p14:cNvPr id="4" name="Ink 3">
@@ -20446,7 +20459,7 @@
             </p14:xfrm>
           </p:contentPart>
         </mc:Choice>
-        <mc:Fallback>
+        <mc:Fallback xmlns="">
           <p:pic>
             <p:nvPicPr>
               <p:cNvPr id="4" name="Ink 3">
@@ -20477,8 +20490,8 @@
           </p:pic>
         </mc:Fallback>
       </mc:AlternateContent>
-      <mc:AlternateContent xmlns:mc="http://schemas.openxmlformats.org/markup-compatibility/2006">
-        <mc:Choice xmlns:p14="http://schemas.microsoft.com/office/powerpoint/2010/main" Requires="p14">
+      <mc:AlternateContent xmlns:mc="http://schemas.openxmlformats.org/markup-compatibility/2006" xmlns:p14="http://schemas.microsoft.com/office/powerpoint/2010/main">
+        <mc:Choice Requires="p14">
           <p:contentPart p14:bwMode="auto" r:id="rId5">
             <p14:nvContentPartPr>
               <p14:cNvPr id="6" name="Ink 5">
@@ -20497,7 +20510,7 @@
             </p14:xfrm>
           </p:contentPart>
         </mc:Choice>
-        <mc:Fallback>
+        <mc:Fallback xmlns="">
           <p:pic>
             <p:nvPicPr>
               <p:cNvPr id="6" name="Ink 5">
@@ -20744,8 +20757,8 @@
           </a:p>
         </p:txBody>
       </p:sp>
-      <mc:AlternateContent xmlns:mc="http://schemas.openxmlformats.org/markup-compatibility/2006">
-        <mc:Choice xmlns:p14="http://schemas.microsoft.com/office/powerpoint/2010/main" Requires="p14">
+      <mc:AlternateContent xmlns:mc="http://schemas.openxmlformats.org/markup-compatibility/2006" xmlns:p14="http://schemas.microsoft.com/office/powerpoint/2010/main">
+        <mc:Choice Requires="p14">
           <p:contentPart p14:bwMode="auto" r:id="rId7">
             <p14:nvContentPartPr>
               <p14:cNvPr id="11" name="Ink 10">
@@ -20764,7 +20777,7 @@
             </p14:xfrm>
           </p:contentPart>
         </mc:Choice>
-        <mc:Fallback>
+        <mc:Fallback xmlns="">
           <p:pic>
             <p:nvPicPr>
               <p:cNvPr id="11" name="Ink 10">
@@ -21644,8 +21657,8 @@
           </a:p>
         </p:txBody>
       </p:sp>
-      <mc:AlternateContent xmlns:mc="http://schemas.openxmlformats.org/markup-compatibility/2006">
-        <mc:Choice xmlns:p14="http://schemas.microsoft.com/office/powerpoint/2010/main" Requires="p14">
+      <mc:AlternateContent xmlns:mc="http://schemas.openxmlformats.org/markup-compatibility/2006" xmlns:p14="http://schemas.microsoft.com/office/powerpoint/2010/main">
+        <mc:Choice Requires="p14">
           <p:contentPart p14:bwMode="auto" r:id="rId4">
             <p14:nvContentPartPr>
               <p14:cNvPr id="16" name="Ink 15">
@@ -21664,7 +21677,7 @@
             </p14:xfrm>
           </p:contentPart>
         </mc:Choice>
-        <mc:Fallback>
+        <mc:Fallback xmlns="">
           <p:pic>
             <p:nvPicPr>
               <p:cNvPr id="16" name="Ink 15">
@@ -21695,8 +21708,8 @@
           </p:pic>
         </mc:Fallback>
       </mc:AlternateContent>
-      <mc:AlternateContent xmlns:mc="http://schemas.openxmlformats.org/markup-compatibility/2006">
-        <mc:Choice xmlns:p14="http://schemas.microsoft.com/office/powerpoint/2010/main" Requires="p14">
+      <mc:AlternateContent xmlns:mc="http://schemas.openxmlformats.org/markup-compatibility/2006" xmlns:p14="http://schemas.microsoft.com/office/powerpoint/2010/main">
+        <mc:Choice Requires="p14">
           <p:contentPart p14:bwMode="auto" r:id="rId6">
             <p14:nvContentPartPr>
               <p14:cNvPr id="17" name="Ink 16">
@@ -21715,7 +21728,7 @@
             </p14:xfrm>
           </p:contentPart>
         </mc:Choice>
-        <mc:Fallback>
+        <mc:Fallback xmlns="">
           <p:pic>
             <p:nvPicPr>
               <p:cNvPr id="17" name="Ink 16">
@@ -21746,8 +21759,8 @@
           </p:pic>
         </mc:Fallback>
       </mc:AlternateContent>
-      <mc:AlternateContent xmlns:mc="http://schemas.openxmlformats.org/markup-compatibility/2006">
-        <mc:Choice xmlns:p14="http://schemas.microsoft.com/office/powerpoint/2010/main" Requires="p14">
+      <mc:AlternateContent xmlns:mc="http://schemas.openxmlformats.org/markup-compatibility/2006" xmlns:p14="http://schemas.microsoft.com/office/powerpoint/2010/main">
+        <mc:Choice Requires="p14">
           <p:contentPart p14:bwMode="auto" r:id="rId8">
             <p14:nvContentPartPr>
               <p14:cNvPr id="18" name="Ink 17">
@@ -21766,7 +21779,7 @@
             </p14:xfrm>
           </p:contentPart>
         </mc:Choice>
-        <mc:Fallback>
+        <mc:Fallback xmlns="">
           <p:pic>
             <p:nvPicPr>
               <p:cNvPr id="18" name="Ink 17">
@@ -21797,8 +21810,8 @@
           </p:pic>
         </mc:Fallback>
       </mc:AlternateContent>
-      <mc:AlternateContent xmlns:mc="http://schemas.openxmlformats.org/markup-compatibility/2006">
-        <mc:Choice xmlns:p14="http://schemas.microsoft.com/office/powerpoint/2010/main" Requires="p14">
+      <mc:AlternateContent xmlns:mc="http://schemas.openxmlformats.org/markup-compatibility/2006" xmlns:p14="http://schemas.microsoft.com/office/powerpoint/2010/main">
+        <mc:Choice Requires="p14">
           <p:contentPart p14:bwMode="auto" r:id="rId10">
             <p14:nvContentPartPr>
               <p14:cNvPr id="19" name="Ink 18">
@@ -21817,7 +21830,7 @@
             </p14:xfrm>
           </p:contentPart>
         </mc:Choice>
-        <mc:Fallback>
+        <mc:Fallback xmlns="">
           <p:pic>
             <p:nvPicPr>
               <p:cNvPr id="19" name="Ink 18">
@@ -21848,8 +21861,8 @@
           </p:pic>
         </mc:Fallback>
       </mc:AlternateContent>
-      <mc:AlternateContent xmlns:mc="http://schemas.openxmlformats.org/markup-compatibility/2006">
-        <mc:Choice xmlns:p14="http://schemas.microsoft.com/office/powerpoint/2010/main" Requires="p14">
+      <mc:AlternateContent xmlns:mc="http://schemas.openxmlformats.org/markup-compatibility/2006" xmlns:p14="http://schemas.microsoft.com/office/powerpoint/2010/main">
+        <mc:Choice Requires="p14">
           <p:contentPart p14:bwMode="auto" r:id="rId12">
             <p14:nvContentPartPr>
               <p14:cNvPr id="21" name="Ink 20">
@@ -21868,7 +21881,7 @@
             </p14:xfrm>
           </p:contentPart>
         </mc:Choice>
-        <mc:Fallback>
+        <mc:Fallback xmlns="">
           <p:pic>
             <p:nvPicPr>
               <p:cNvPr id="21" name="Ink 20">
@@ -21899,8 +21912,8 @@
           </p:pic>
         </mc:Fallback>
       </mc:AlternateContent>
-      <mc:AlternateContent xmlns:mc="http://schemas.openxmlformats.org/markup-compatibility/2006">
-        <mc:Choice xmlns:p14="http://schemas.microsoft.com/office/powerpoint/2010/main" Requires="p14">
+      <mc:AlternateContent xmlns:mc="http://schemas.openxmlformats.org/markup-compatibility/2006" xmlns:p14="http://schemas.microsoft.com/office/powerpoint/2010/main">
+        <mc:Choice Requires="p14">
           <p:contentPart p14:bwMode="auto" r:id="rId14">
             <p14:nvContentPartPr>
               <p14:cNvPr id="23" name="Ink 22">
@@ -21919,7 +21932,7 @@
             </p14:xfrm>
           </p:contentPart>
         </mc:Choice>
-        <mc:Fallback>
+        <mc:Fallback xmlns="">
           <p:pic>
             <p:nvPicPr>
               <p:cNvPr id="23" name="Ink 22">
@@ -22640,8 +22653,8 @@
           </a:p>
         </p:txBody>
       </p:sp>
-      <mc:AlternateContent xmlns:mc="http://schemas.openxmlformats.org/markup-compatibility/2006">
-        <mc:Choice xmlns:p14="http://schemas.microsoft.com/office/powerpoint/2010/main" Requires="p14">
+      <mc:AlternateContent xmlns:mc="http://schemas.openxmlformats.org/markup-compatibility/2006" xmlns:p14="http://schemas.microsoft.com/office/powerpoint/2010/main">
+        <mc:Choice Requires="p14">
           <p:contentPart p14:bwMode="auto" r:id="rId3">
             <p14:nvContentPartPr>
               <p14:cNvPr id="9" name="Ink 8">
@@ -22660,7 +22673,7 @@
             </p14:xfrm>
           </p:contentPart>
         </mc:Choice>
-        <mc:Fallback>
+        <mc:Fallback xmlns="">
           <p:pic>
             <p:nvPicPr>
               <p:cNvPr id="9" name="Ink 8">
@@ -22691,8 +22704,8 @@
           </p:pic>
         </mc:Fallback>
       </mc:AlternateContent>
-      <mc:AlternateContent xmlns:mc="http://schemas.openxmlformats.org/markup-compatibility/2006">
-        <mc:Choice xmlns:p14="http://schemas.microsoft.com/office/powerpoint/2010/main" Requires="p14">
+      <mc:AlternateContent xmlns:mc="http://schemas.openxmlformats.org/markup-compatibility/2006" xmlns:p14="http://schemas.microsoft.com/office/powerpoint/2010/main">
+        <mc:Choice Requires="p14">
           <p:contentPart p14:bwMode="auto" r:id="rId5">
             <p14:nvContentPartPr>
               <p14:cNvPr id="17" name="Ink 16">
@@ -22711,7 +22724,7 @@
             </p14:xfrm>
           </p:contentPart>
         </mc:Choice>
-        <mc:Fallback>
+        <mc:Fallback xmlns="">
           <p:pic>
             <p:nvPicPr>
               <p:cNvPr id="17" name="Ink 16">
@@ -22762,8 +22775,8 @@
             <a:chExt cx="311040" cy="140400"/>
           </a:xfrm>
         </p:grpSpPr>
-        <mc:AlternateContent xmlns:mc="http://schemas.openxmlformats.org/markup-compatibility/2006">
-          <mc:Choice xmlns:p14="http://schemas.microsoft.com/office/powerpoint/2010/main" Requires="p14">
+        <mc:AlternateContent xmlns:mc="http://schemas.openxmlformats.org/markup-compatibility/2006" xmlns:p14="http://schemas.microsoft.com/office/powerpoint/2010/main">
+          <mc:Choice Requires="p14">
             <p:contentPart p14:bwMode="auto" r:id="rId7">
               <p14:nvContentPartPr>
                 <p14:cNvPr id="10" name="Ink 9">
@@ -22782,7 +22795,7 @@
               </p14:xfrm>
             </p:contentPart>
           </mc:Choice>
-          <mc:Fallback>
+          <mc:Fallback xmlns="">
             <p:pic>
               <p:nvPicPr>
                 <p:cNvPr id="10" name="Ink 9">
@@ -22813,8 +22826,8 @@
             </p:pic>
           </mc:Fallback>
         </mc:AlternateContent>
-        <mc:AlternateContent xmlns:mc="http://schemas.openxmlformats.org/markup-compatibility/2006">
-          <mc:Choice xmlns:p14="http://schemas.microsoft.com/office/powerpoint/2010/main" Requires="p14">
+        <mc:AlternateContent xmlns:mc="http://schemas.openxmlformats.org/markup-compatibility/2006" xmlns:p14="http://schemas.microsoft.com/office/powerpoint/2010/main">
+          <mc:Choice Requires="p14">
             <p:contentPart p14:bwMode="auto" r:id="rId9">
               <p14:nvContentPartPr>
                 <p14:cNvPr id="11" name="Ink 10">
@@ -22833,7 +22846,7 @@
               </p14:xfrm>
             </p:contentPart>
           </mc:Choice>
-          <mc:Fallback>
+          <mc:Fallback xmlns="">
             <p:pic>
               <p:nvPicPr>
                 <p:cNvPr id="11" name="Ink 10">
@@ -22864,8 +22877,8 @@
             </p:pic>
           </mc:Fallback>
         </mc:AlternateContent>
-        <mc:AlternateContent xmlns:mc="http://schemas.openxmlformats.org/markup-compatibility/2006">
-          <mc:Choice xmlns:p14="http://schemas.microsoft.com/office/powerpoint/2010/main" Requires="p14">
+        <mc:AlternateContent xmlns:mc="http://schemas.openxmlformats.org/markup-compatibility/2006" xmlns:p14="http://schemas.microsoft.com/office/powerpoint/2010/main">
+          <mc:Choice Requires="p14">
             <p:contentPart p14:bwMode="auto" r:id="rId11">
               <p14:nvContentPartPr>
                 <p14:cNvPr id="13" name="Ink 12">
@@ -22884,7 +22897,7 @@
               </p14:xfrm>
             </p:contentPart>
           </mc:Choice>
-          <mc:Fallback>
+          <mc:Fallback xmlns="">
             <p:pic>
               <p:nvPicPr>
                 <p:cNvPr id="13" name="Ink 12">
@@ -22915,8 +22928,8 @@
             </p:pic>
           </mc:Fallback>
         </mc:AlternateContent>
-        <mc:AlternateContent xmlns:mc="http://schemas.openxmlformats.org/markup-compatibility/2006">
-          <mc:Choice xmlns:p14="http://schemas.microsoft.com/office/powerpoint/2010/main" Requires="p14">
+        <mc:AlternateContent xmlns:mc="http://schemas.openxmlformats.org/markup-compatibility/2006" xmlns:p14="http://schemas.microsoft.com/office/powerpoint/2010/main">
+          <mc:Choice Requires="p14">
             <p:contentPart p14:bwMode="auto" r:id="rId13">
               <p14:nvContentPartPr>
                 <p14:cNvPr id="15" name="Ink 14">
@@ -22935,7 +22948,7 @@
               </p14:xfrm>
             </p:contentPart>
           </mc:Choice>
-          <mc:Fallback>
+          <mc:Fallback xmlns="">
             <p:pic>
               <p:nvPicPr>
                 <p:cNvPr id="15" name="Ink 14">
@@ -22966,8 +22979,8 @@
             </p:pic>
           </mc:Fallback>
         </mc:AlternateContent>
-        <mc:AlternateContent xmlns:mc="http://schemas.openxmlformats.org/markup-compatibility/2006">
-          <mc:Choice xmlns:p14="http://schemas.microsoft.com/office/powerpoint/2010/main" Requires="p14">
+        <mc:AlternateContent xmlns:mc="http://schemas.openxmlformats.org/markup-compatibility/2006" xmlns:p14="http://schemas.microsoft.com/office/powerpoint/2010/main">
+          <mc:Choice Requires="p14">
             <p:contentPart p14:bwMode="auto" r:id="rId15">
               <p14:nvContentPartPr>
                 <p14:cNvPr id="19" name="Ink 18">
@@ -22986,7 +22999,7 @@
               </p14:xfrm>
             </p:contentPart>
           </mc:Choice>
-          <mc:Fallback>
+          <mc:Fallback xmlns="">
             <p:pic>
               <p:nvPicPr>
                 <p:cNvPr id="19" name="Ink 18">
@@ -23038,8 +23051,8 @@
             <a:chExt cx="214560" cy="102240"/>
           </a:xfrm>
         </p:grpSpPr>
-        <mc:AlternateContent xmlns:mc="http://schemas.openxmlformats.org/markup-compatibility/2006">
-          <mc:Choice xmlns:p14="http://schemas.microsoft.com/office/powerpoint/2010/main" Requires="p14">
+        <mc:AlternateContent xmlns:mc="http://schemas.openxmlformats.org/markup-compatibility/2006" xmlns:p14="http://schemas.microsoft.com/office/powerpoint/2010/main">
+          <mc:Choice Requires="p14">
             <p:contentPart p14:bwMode="auto" r:id="rId17">
               <p14:nvContentPartPr>
                 <p14:cNvPr id="21" name="Ink 20">
@@ -23058,7 +23071,7 @@
               </p14:xfrm>
             </p:contentPart>
           </mc:Choice>
-          <mc:Fallback>
+          <mc:Fallback xmlns="">
             <p:pic>
               <p:nvPicPr>
                 <p:cNvPr id="21" name="Ink 20">
@@ -23089,8 +23102,8 @@
             </p:pic>
           </mc:Fallback>
         </mc:AlternateContent>
-        <mc:AlternateContent xmlns:mc="http://schemas.openxmlformats.org/markup-compatibility/2006">
-          <mc:Choice xmlns:p14="http://schemas.microsoft.com/office/powerpoint/2010/main" Requires="p14">
+        <mc:AlternateContent xmlns:mc="http://schemas.openxmlformats.org/markup-compatibility/2006" xmlns:p14="http://schemas.microsoft.com/office/powerpoint/2010/main">
+          <mc:Choice Requires="p14">
             <p:contentPart p14:bwMode="auto" r:id="rId19">
               <p14:nvContentPartPr>
                 <p14:cNvPr id="22" name="Ink 21">
@@ -23109,7 +23122,7 @@
               </p14:xfrm>
             </p:contentPart>
           </mc:Choice>
-          <mc:Fallback>
+          <mc:Fallback xmlns="">
             <p:pic>
               <p:nvPicPr>
                 <p:cNvPr id="22" name="Ink 21">
@@ -23161,8 +23174,8 @@
             <a:chExt cx="417960" cy="130680"/>
           </a:xfrm>
         </p:grpSpPr>
-        <mc:AlternateContent xmlns:mc="http://schemas.openxmlformats.org/markup-compatibility/2006">
-          <mc:Choice xmlns:p14="http://schemas.microsoft.com/office/powerpoint/2010/main" Requires="p14">
+        <mc:AlternateContent xmlns:mc="http://schemas.openxmlformats.org/markup-compatibility/2006" xmlns:p14="http://schemas.microsoft.com/office/powerpoint/2010/main">
+          <mc:Choice Requires="p14">
             <p:contentPart p14:bwMode="auto" r:id="rId21">
               <p14:nvContentPartPr>
                 <p14:cNvPr id="24" name="Ink 23">
@@ -23181,7 +23194,7 @@
               </p14:xfrm>
             </p:contentPart>
           </mc:Choice>
-          <mc:Fallback>
+          <mc:Fallback xmlns="">
             <p:pic>
               <p:nvPicPr>
                 <p:cNvPr id="24" name="Ink 23">
@@ -23212,8 +23225,8 @@
             </p:pic>
           </mc:Fallback>
         </mc:AlternateContent>
-        <mc:AlternateContent xmlns:mc="http://schemas.openxmlformats.org/markup-compatibility/2006">
-          <mc:Choice xmlns:p14="http://schemas.microsoft.com/office/powerpoint/2010/main" Requires="p14">
+        <mc:AlternateContent xmlns:mc="http://schemas.openxmlformats.org/markup-compatibility/2006" xmlns:p14="http://schemas.microsoft.com/office/powerpoint/2010/main">
+          <mc:Choice Requires="p14">
             <p:contentPart p14:bwMode="auto" r:id="rId23">
               <p14:nvContentPartPr>
                 <p14:cNvPr id="25" name="Ink 24">
@@ -23232,7 +23245,7 @@
               </p14:xfrm>
             </p:contentPart>
           </mc:Choice>
-          <mc:Fallback>
+          <mc:Fallback xmlns="">
             <p:pic>
               <p:nvPicPr>
                 <p:cNvPr id="25" name="Ink 24">
@@ -23263,8 +23276,8 @@
             </p:pic>
           </mc:Fallback>
         </mc:AlternateContent>
-        <mc:AlternateContent xmlns:mc="http://schemas.openxmlformats.org/markup-compatibility/2006">
-          <mc:Choice xmlns:p14="http://schemas.microsoft.com/office/powerpoint/2010/main" Requires="p14">
+        <mc:AlternateContent xmlns:mc="http://schemas.openxmlformats.org/markup-compatibility/2006" xmlns:p14="http://schemas.microsoft.com/office/powerpoint/2010/main">
+          <mc:Choice Requires="p14">
             <p:contentPart p14:bwMode="auto" r:id="rId25">
               <p14:nvContentPartPr>
                 <p14:cNvPr id="27" name="Ink 26">
@@ -23283,7 +23296,7 @@
               </p14:xfrm>
             </p:contentPart>
           </mc:Choice>
-          <mc:Fallback>
+          <mc:Fallback xmlns="">
             <p:pic>
               <p:nvPicPr>
                 <p:cNvPr id="27" name="Ink 26">
@@ -23314,8 +23327,8 @@
             </p:pic>
           </mc:Fallback>
         </mc:AlternateContent>
-        <mc:AlternateContent xmlns:mc="http://schemas.openxmlformats.org/markup-compatibility/2006">
-          <mc:Choice xmlns:p14="http://schemas.microsoft.com/office/powerpoint/2010/main" Requires="p14">
+        <mc:AlternateContent xmlns:mc="http://schemas.openxmlformats.org/markup-compatibility/2006" xmlns:p14="http://schemas.microsoft.com/office/powerpoint/2010/main">
+          <mc:Choice Requires="p14">
             <p:contentPart p14:bwMode="auto" r:id="rId27">
               <p14:nvContentPartPr>
                 <p14:cNvPr id="29" name="Ink 28">
@@ -23334,7 +23347,7 @@
               </p14:xfrm>
             </p:contentPart>
           </mc:Choice>
-          <mc:Fallback>
+          <mc:Fallback xmlns="">
             <p:pic>
               <p:nvPicPr>
                 <p:cNvPr id="29" name="Ink 28">
@@ -23470,8 +23483,8 @@
           </a:p>
         </p:txBody>
       </p:sp>
-      <mc:AlternateContent xmlns:mc="http://schemas.openxmlformats.org/markup-compatibility/2006">
-        <mc:Choice xmlns:p14="http://schemas.microsoft.com/office/powerpoint/2010/main" Requires="p14">
+      <mc:AlternateContent xmlns:mc="http://schemas.openxmlformats.org/markup-compatibility/2006" xmlns:p14="http://schemas.microsoft.com/office/powerpoint/2010/main">
+        <mc:Choice Requires="p14">
           <p:contentPart p14:bwMode="auto" r:id="rId29">
             <p14:nvContentPartPr>
               <p14:cNvPr id="33" name="Ink 32">
@@ -23490,7 +23503,7 @@
             </p14:xfrm>
           </p:contentPart>
         </mc:Choice>
-        <mc:Fallback>
+        <mc:Fallback xmlns="">
           <p:pic>
             <p:nvPicPr>
               <p:cNvPr id="33" name="Ink 32">
@@ -23799,8 +23812,8 @@
           </a:p>
         </p:txBody>
       </p:sp>
-      <mc:AlternateContent xmlns:mc="http://schemas.openxmlformats.org/markup-compatibility/2006">
-        <mc:Choice xmlns:p14="http://schemas.microsoft.com/office/powerpoint/2010/main" Requires="p14">
+      <mc:AlternateContent xmlns:mc="http://schemas.openxmlformats.org/markup-compatibility/2006" xmlns:p14="http://schemas.microsoft.com/office/powerpoint/2010/main">
+        <mc:Choice Requires="p14">
           <p:contentPart p14:bwMode="auto" r:id="rId31">
             <p14:nvContentPartPr>
               <p14:cNvPr id="63" name="Ink 62">
@@ -23819,7 +23832,7 @@
             </p14:xfrm>
           </p:contentPart>
         </mc:Choice>
-        <mc:Fallback>
+        <mc:Fallback xmlns="">
           <p:pic>
             <p:nvPicPr>
               <p:cNvPr id="63" name="Ink 62">
@@ -23924,8 +23937,8 @@
           </a:p>
         </p:txBody>
       </p:sp>
-      <mc:AlternateContent xmlns:mc="http://schemas.openxmlformats.org/markup-compatibility/2006">
-        <mc:Choice xmlns:p14="http://schemas.microsoft.com/office/powerpoint/2010/main" Requires="p14">
+      <mc:AlternateContent xmlns:mc="http://schemas.openxmlformats.org/markup-compatibility/2006" xmlns:p14="http://schemas.microsoft.com/office/powerpoint/2010/main">
+        <mc:Choice Requires="p14">
           <p:contentPart p14:bwMode="auto" r:id="rId33">
             <p14:nvContentPartPr>
               <p14:cNvPr id="65" name="Ink 64">
@@ -23944,7 +23957,7 @@
             </p14:xfrm>
           </p:contentPart>
         </mc:Choice>
-        <mc:Fallback>
+        <mc:Fallback xmlns="">
           <p:pic>
             <p:nvPicPr>
               <p:cNvPr id="65" name="Ink 64">
@@ -23975,8 +23988,8 @@
           </p:pic>
         </mc:Fallback>
       </mc:AlternateContent>
-      <mc:AlternateContent xmlns:mc="http://schemas.openxmlformats.org/markup-compatibility/2006">
-        <mc:Choice xmlns:p14="http://schemas.microsoft.com/office/powerpoint/2010/main" Requires="p14">
+      <mc:AlternateContent xmlns:mc="http://schemas.openxmlformats.org/markup-compatibility/2006" xmlns:p14="http://schemas.microsoft.com/office/powerpoint/2010/main">
+        <mc:Choice Requires="p14">
           <p:contentPart p14:bwMode="auto" r:id="rId35">
             <p14:nvContentPartPr>
               <p14:cNvPr id="66" name="Ink 65">
@@ -23995,7 +24008,7 @@
             </p14:xfrm>
           </p:contentPart>
         </mc:Choice>
-        <mc:Fallback>
+        <mc:Fallback xmlns="">
           <p:pic>
             <p:nvPicPr>
               <p:cNvPr id="66" name="Ink 65">
@@ -24046,8 +24059,8 @@
             <a:chExt cx="662040" cy="149400"/>
           </a:xfrm>
         </p:grpSpPr>
-        <mc:AlternateContent xmlns:mc="http://schemas.openxmlformats.org/markup-compatibility/2006">
-          <mc:Choice xmlns:p14="http://schemas.microsoft.com/office/powerpoint/2010/main" Requires="p14">
+        <mc:AlternateContent xmlns:mc="http://schemas.openxmlformats.org/markup-compatibility/2006" xmlns:p14="http://schemas.microsoft.com/office/powerpoint/2010/main">
+          <mc:Choice Requires="p14">
             <p:contentPart p14:bwMode="auto" r:id="rId37">
               <p14:nvContentPartPr>
                 <p14:cNvPr id="82" name="Ink 81">
@@ -24066,7 +24079,7 @@
               </p14:xfrm>
             </p:contentPart>
           </mc:Choice>
-          <mc:Fallback>
+          <mc:Fallback xmlns="">
             <p:pic>
               <p:nvPicPr>
                 <p:cNvPr id="82" name="Ink 81">
@@ -24097,8 +24110,8 @@
             </p:pic>
           </mc:Fallback>
         </mc:AlternateContent>
-        <mc:AlternateContent xmlns:mc="http://schemas.openxmlformats.org/markup-compatibility/2006">
-          <mc:Choice xmlns:p14="http://schemas.microsoft.com/office/powerpoint/2010/main" Requires="p14">
+        <mc:AlternateContent xmlns:mc="http://schemas.openxmlformats.org/markup-compatibility/2006" xmlns:p14="http://schemas.microsoft.com/office/powerpoint/2010/main">
+          <mc:Choice Requires="p14">
             <p:contentPart p14:bwMode="auto" r:id="rId39">
               <p14:nvContentPartPr>
                 <p14:cNvPr id="83" name="Ink 82">
@@ -24117,7 +24130,7 @@
               </p14:xfrm>
             </p:contentPart>
           </mc:Choice>
-          <mc:Fallback>
+          <mc:Fallback xmlns="">
             <p:pic>
               <p:nvPicPr>
                 <p:cNvPr id="83" name="Ink 82">
@@ -24148,8 +24161,8 @@
             </p:pic>
           </mc:Fallback>
         </mc:AlternateContent>
-        <mc:AlternateContent xmlns:mc="http://schemas.openxmlformats.org/markup-compatibility/2006">
-          <mc:Choice xmlns:p14="http://schemas.microsoft.com/office/powerpoint/2010/main" Requires="p14">
+        <mc:AlternateContent xmlns:mc="http://schemas.openxmlformats.org/markup-compatibility/2006" xmlns:p14="http://schemas.microsoft.com/office/powerpoint/2010/main">
+          <mc:Choice Requires="p14">
             <p:contentPart p14:bwMode="auto" r:id="rId41">
               <p14:nvContentPartPr>
                 <p14:cNvPr id="84" name="Ink 83">
@@ -24168,7 +24181,7 @@
               </p14:xfrm>
             </p:contentPart>
           </mc:Choice>
-          <mc:Fallback>
+          <mc:Fallback xmlns="">
             <p:pic>
               <p:nvPicPr>
                 <p:cNvPr id="84" name="Ink 83">
@@ -24199,8 +24212,8 @@
             </p:pic>
           </mc:Fallback>
         </mc:AlternateContent>
-        <mc:AlternateContent xmlns:mc="http://schemas.openxmlformats.org/markup-compatibility/2006">
-          <mc:Choice xmlns:p14="http://schemas.microsoft.com/office/powerpoint/2010/main" Requires="p14">
+        <mc:AlternateContent xmlns:mc="http://schemas.openxmlformats.org/markup-compatibility/2006" xmlns:p14="http://schemas.microsoft.com/office/powerpoint/2010/main">
+          <mc:Choice Requires="p14">
             <p:contentPart p14:bwMode="auto" r:id="rId43">
               <p14:nvContentPartPr>
                 <p14:cNvPr id="85" name="Ink 84">
@@ -24219,7 +24232,7 @@
               </p14:xfrm>
             </p:contentPart>
           </mc:Choice>
-          <mc:Fallback>
+          <mc:Fallback xmlns="">
             <p:pic>
               <p:nvPicPr>
                 <p:cNvPr id="85" name="Ink 84">
@@ -24250,8 +24263,8 @@
             </p:pic>
           </mc:Fallback>
         </mc:AlternateContent>
-        <mc:AlternateContent xmlns:mc="http://schemas.openxmlformats.org/markup-compatibility/2006">
-          <mc:Choice xmlns:p14="http://schemas.microsoft.com/office/powerpoint/2010/main" Requires="p14">
+        <mc:AlternateContent xmlns:mc="http://schemas.openxmlformats.org/markup-compatibility/2006" xmlns:p14="http://schemas.microsoft.com/office/powerpoint/2010/main">
+          <mc:Choice Requires="p14">
             <p:contentPart p14:bwMode="auto" r:id="rId45">
               <p14:nvContentPartPr>
                 <p14:cNvPr id="86" name="Ink 85">
@@ -24270,7 +24283,7 @@
               </p14:xfrm>
             </p:contentPart>
           </mc:Choice>
-          <mc:Fallback>
+          <mc:Fallback xmlns="">
             <p:pic>
               <p:nvPicPr>
                 <p:cNvPr id="86" name="Ink 85">
@@ -24301,8 +24314,8 @@
             </p:pic>
           </mc:Fallback>
         </mc:AlternateContent>
-        <mc:AlternateContent xmlns:mc="http://schemas.openxmlformats.org/markup-compatibility/2006">
-          <mc:Choice xmlns:p14="http://schemas.microsoft.com/office/powerpoint/2010/main" Requires="p14">
+        <mc:AlternateContent xmlns:mc="http://schemas.openxmlformats.org/markup-compatibility/2006" xmlns:p14="http://schemas.microsoft.com/office/powerpoint/2010/main">
+          <mc:Choice Requires="p14">
             <p:contentPart p14:bwMode="auto" r:id="rId47">
               <p14:nvContentPartPr>
                 <p14:cNvPr id="87" name="Ink 86">
@@ -24321,7 +24334,7 @@
               </p14:xfrm>
             </p:contentPart>
           </mc:Choice>
-          <mc:Fallback>
+          <mc:Fallback xmlns="">
             <p:pic>
               <p:nvPicPr>
                 <p:cNvPr id="87" name="Ink 86">
@@ -24353,8 +24366,8 @@
           </mc:Fallback>
         </mc:AlternateContent>
       </p:grpSp>
-      <mc:AlternateContent xmlns:mc="http://schemas.openxmlformats.org/markup-compatibility/2006">
-        <mc:Choice xmlns:p14="http://schemas.microsoft.com/office/powerpoint/2010/main" Requires="p14">
+      <mc:AlternateContent xmlns:mc="http://schemas.openxmlformats.org/markup-compatibility/2006" xmlns:p14="http://schemas.microsoft.com/office/powerpoint/2010/main">
+        <mc:Choice Requires="p14">
           <p:contentPart p14:bwMode="auto" r:id="rId49">
             <p14:nvContentPartPr>
               <p14:cNvPr id="89" name="Ink 88">
@@ -24373,7 +24386,7 @@
             </p14:xfrm>
           </p:contentPart>
         </mc:Choice>
-        <mc:Fallback>
+        <mc:Fallback xmlns="">
           <p:pic>
             <p:nvPicPr>
               <p:cNvPr id="89" name="Ink 88">
@@ -24424,8 +24437,8 @@
             <a:chExt cx="1272500" cy="342000"/>
           </a:xfrm>
         </p:grpSpPr>
-        <mc:AlternateContent xmlns:mc="http://schemas.openxmlformats.org/markup-compatibility/2006">
-          <mc:Choice xmlns:p14="http://schemas.microsoft.com/office/powerpoint/2010/main" Requires="p14">
+        <mc:AlternateContent xmlns:mc="http://schemas.openxmlformats.org/markup-compatibility/2006" xmlns:p14="http://schemas.microsoft.com/office/powerpoint/2010/main">
+          <mc:Choice Requires="p14">
             <p:contentPart p14:bwMode="auto" r:id="rId51">
               <p14:nvContentPartPr>
                 <p14:cNvPr id="67" name="Ink 66">
@@ -24444,7 +24457,7 @@
               </p14:xfrm>
             </p:contentPart>
           </mc:Choice>
-          <mc:Fallback>
+          <mc:Fallback xmlns="">
             <p:pic>
               <p:nvPicPr>
                 <p:cNvPr id="67" name="Ink 66">
@@ -24475,8 +24488,8 @@
             </p:pic>
           </mc:Fallback>
         </mc:AlternateContent>
-        <mc:AlternateContent xmlns:mc="http://schemas.openxmlformats.org/markup-compatibility/2006">
-          <mc:Choice xmlns:p14="http://schemas.microsoft.com/office/powerpoint/2010/main" Requires="p14">
+        <mc:AlternateContent xmlns:mc="http://schemas.openxmlformats.org/markup-compatibility/2006" xmlns:p14="http://schemas.microsoft.com/office/powerpoint/2010/main">
+          <mc:Choice Requires="p14">
             <p:contentPart p14:bwMode="auto" r:id="rId53">
               <p14:nvContentPartPr>
                 <p14:cNvPr id="68" name="Ink 67">
@@ -24495,7 +24508,7 @@
               </p14:xfrm>
             </p:contentPart>
           </mc:Choice>
-          <mc:Fallback>
+          <mc:Fallback xmlns="">
             <p:pic>
               <p:nvPicPr>
                 <p:cNvPr id="68" name="Ink 67">
@@ -24526,8 +24539,8 @@
             </p:pic>
           </mc:Fallback>
         </mc:AlternateContent>
-        <mc:AlternateContent xmlns:mc="http://schemas.openxmlformats.org/markup-compatibility/2006">
-          <mc:Choice xmlns:p14="http://schemas.microsoft.com/office/powerpoint/2010/main" Requires="p14">
+        <mc:AlternateContent xmlns:mc="http://schemas.openxmlformats.org/markup-compatibility/2006" xmlns:p14="http://schemas.microsoft.com/office/powerpoint/2010/main">
+          <mc:Choice Requires="p14">
             <p:contentPart p14:bwMode="auto" r:id="rId55">
               <p14:nvContentPartPr>
                 <p14:cNvPr id="70" name="Ink 69">
@@ -24546,7 +24559,7 @@
               </p14:xfrm>
             </p:contentPart>
           </mc:Choice>
-          <mc:Fallback>
+          <mc:Fallback xmlns="">
             <p:pic>
               <p:nvPicPr>
                 <p:cNvPr id="70" name="Ink 69">
@@ -24577,8 +24590,8 @@
             </p:pic>
           </mc:Fallback>
         </mc:AlternateContent>
-        <mc:AlternateContent xmlns:mc="http://schemas.openxmlformats.org/markup-compatibility/2006">
-          <mc:Choice xmlns:p14="http://schemas.microsoft.com/office/powerpoint/2010/main" Requires="p14">
+        <mc:AlternateContent xmlns:mc="http://schemas.openxmlformats.org/markup-compatibility/2006" xmlns:p14="http://schemas.microsoft.com/office/powerpoint/2010/main">
+          <mc:Choice Requires="p14">
             <p:contentPart p14:bwMode="auto" r:id="rId57">
               <p14:nvContentPartPr>
                 <p14:cNvPr id="73" name="Ink 72">
@@ -24597,7 +24610,7 @@
               </p14:xfrm>
             </p:contentPart>
           </mc:Choice>
-          <mc:Fallback>
+          <mc:Fallback xmlns="">
             <p:pic>
               <p:nvPicPr>
                 <p:cNvPr id="73" name="Ink 72">
@@ -24628,8 +24641,8 @@
             </p:pic>
           </mc:Fallback>
         </mc:AlternateContent>
-        <mc:AlternateContent xmlns:mc="http://schemas.openxmlformats.org/markup-compatibility/2006">
-          <mc:Choice xmlns:p14="http://schemas.microsoft.com/office/powerpoint/2010/main" Requires="p14">
+        <mc:AlternateContent xmlns:mc="http://schemas.openxmlformats.org/markup-compatibility/2006" xmlns:p14="http://schemas.microsoft.com/office/powerpoint/2010/main">
+          <mc:Choice Requires="p14">
             <p:contentPart p14:bwMode="auto" r:id="rId59">
               <p14:nvContentPartPr>
                 <p14:cNvPr id="74" name="Ink 73">
@@ -24648,7 +24661,7 @@
               </p14:xfrm>
             </p:contentPart>
           </mc:Choice>
-          <mc:Fallback>
+          <mc:Fallback xmlns="">
             <p:pic>
               <p:nvPicPr>
                 <p:cNvPr id="74" name="Ink 73">
@@ -24679,8 +24692,8 @@
             </p:pic>
           </mc:Fallback>
         </mc:AlternateContent>
-        <mc:AlternateContent xmlns:mc="http://schemas.openxmlformats.org/markup-compatibility/2006">
-          <mc:Choice xmlns:p14="http://schemas.microsoft.com/office/powerpoint/2010/main" Requires="p14">
+        <mc:AlternateContent xmlns:mc="http://schemas.openxmlformats.org/markup-compatibility/2006" xmlns:p14="http://schemas.microsoft.com/office/powerpoint/2010/main">
+          <mc:Choice Requires="p14">
             <p:contentPart p14:bwMode="auto" r:id="rId61">
               <p14:nvContentPartPr>
                 <p14:cNvPr id="76" name="Ink 75">
@@ -24699,7 +24712,7 @@
               </p14:xfrm>
             </p:contentPart>
           </mc:Choice>
-          <mc:Fallback>
+          <mc:Fallback xmlns="">
             <p:pic>
               <p:nvPicPr>
                 <p:cNvPr id="76" name="Ink 75">
@@ -24730,8 +24743,8 @@
             </p:pic>
           </mc:Fallback>
         </mc:AlternateContent>
-        <mc:AlternateContent xmlns:mc="http://schemas.openxmlformats.org/markup-compatibility/2006">
-          <mc:Choice xmlns:p14="http://schemas.microsoft.com/office/powerpoint/2010/main" Requires="p14">
+        <mc:AlternateContent xmlns:mc="http://schemas.openxmlformats.org/markup-compatibility/2006" xmlns:p14="http://schemas.microsoft.com/office/powerpoint/2010/main">
+          <mc:Choice Requires="p14">
             <p:contentPart p14:bwMode="auto" r:id="rId63">
               <p14:nvContentPartPr>
                 <p14:cNvPr id="78" name="Ink 77">
@@ -24750,7 +24763,7 @@
               </p14:xfrm>
             </p:contentPart>
           </mc:Choice>
-          <mc:Fallback>
+          <mc:Fallback xmlns="">
             <p:pic>
               <p:nvPicPr>
                 <p:cNvPr id="78" name="Ink 77">
@@ -24781,8 +24794,8 @@
             </p:pic>
           </mc:Fallback>
         </mc:AlternateContent>
-        <mc:AlternateContent xmlns:mc="http://schemas.openxmlformats.org/markup-compatibility/2006">
-          <mc:Choice xmlns:p14="http://schemas.microsoft.com/office/powerpoint/2010/main" Requires="p14">
+        <mc:AlternateContent xmlns:mc="http://schemas.openxmlformats.org/markup-compatibility/2006" xmlns:p14="http://schemas.microsoft.com/office/powerpoint/2010/main">
+          <mc:Choice Requires="p14">
             <p:contentPart p14:bwMode="auto" r:id="rId65">
               <p14:nvContentPartPr>
                 <p14:cNvPr id="80" name="Ink 79">
@@ -24801,7 +24814,7 @@
               </p14:xfrm>
             </p:contentPart>
           </mc:Choice>
-          <mc:Fallback>
+          <mc:Fallback xmlns="">
             <p:pic>
               <p:nvPicPr>
                 <p:cNvPr id="80" name="Ink 79">
@@ -24832,8 +24845,8 @@
             </p:pic>
           </mc:Fallback>
         </mc:AlternateContent>
-        <mc:AlternateContent xmlns:mc="http://schemas.openxmlformats.org/markup-compatibility/2006">
-          <mc:Choice xmlns:p14="http://schemas.microsoft.com/office/powerpoint/2010/main" Requires="p14">
+        <mc:AlternateContent xmlns:mc="http://schemas.openxmlformats.org/markup-compatibility/2006" xmlns:p14="http://schemas.microsoft.com/office/powerpoint/2010/main">
+          <mc:Choice Requires="p14">
             <p:contentPart p14:bwMode="auto" r:id="rId67">
               <p14:nvContentPartPr>
                 <p14:cNvPr id="90" name="Ink 89">
@@ -24852,7 +24865,7 @@
               </p14:xfrm>
             </p:contentPart>
           </mc:Choice>
-          <mc:Fallback>
+          <mc:Fallback xmlns="">
             <p:pic>
               <p:nvPicPr>
                 <p:cNvPr id="90" name="Ink 89">
@@ -24884,8 +24897,8 @@
           </mc:Fallback>
         </mc:AlternateContent>
       </p:grpSp>
-      <mc:AlternateContent xmlns:mc="http://schemas.openxmlformats.org/markup-compatibility/2006">
-        <mc:Choice xmlns:p14="http://schemas.microsoft.com/office/powerpoint/2010/main" Requires="p14">
+      <mc:AlternateContent xmlns:mc="http://schemas.openxmlformats.org/markup-compatibility/2006" xmlns:p14="http://schemas.microsoft.com/office/powerpoint/2010/main">
+        <mc:Choice Requires="p14">
           <p:contentPart p14:bwMode="auto" r:id="rId69">
             <p14:nvContentPartPr>
               <p14:cNvPr id="92" name="Ink 91">
@@ -24904,7 +24917,7 @@
             </p14:xfrm>
           </p:contentPart>
         </mc:Choice>
-        <mc:Fallback>
+        <mc:Fallback xmlns="">
           <p:pic>
             <p:nvPicPr>
               <p:cNvPr id="92" name="Ink 91">
@@ -25107,8 +25120,8 @@
           </a:p>
         </p:txBody>
       </p:sp>
-      <mc:AlternateContent xmlns:mc="http://schemas.openxmlformats.org/markup-compatibility/2006">
-        <mc:Choice xmlns:p14="http://schemas.microsoft.com/office/powerpoint/2010/main" Requires="p14">
+      <mc:AlternateContent xmlns:mc="http://schemas.openxmlformats.org/markup-compatibility/2006" xmlns:p14="http://schemas.microsoft.com/office/powerpoint/2010/main">
+        <mc:Choice Requires="p14">
           <p:contentPart p14:bwMode="auto" r:id="rId71">
             <p14:nvContentPartPr>
               <p14:cNvPr id="96" name="Ink 95">
@@ -25127,7 +25140,7 @@
             </p14:xfrm>
           </p:contentPart>
         </mc:Choice>
-        <mc:Fallback>
+        <mc:Fallback xmlns="">
           <p:pic>
             <p:nvPicPr>
               <p:cNvPr id="96" name="Ink 95">
@@ -25158,8 +25171,8 @@
           </p:pic>
         </mc:Fallback>
       </mc:AlternateContent>
-      <mc:AlternateContent xmlns:mc="http://schemas.openxmlformats.org/markup-compatibility/2006">
-        <mc:Choice xmlns:p14="http://schemas.microsoft.com/office/powerpoint/2010/main" Requires="p14">
+      <mc:AlternateContent xmlns:mc="http://schemas.openxmlformats.org/markup-compatibility/2006" xmlns:p14="http://schemas.microsoft.com/office/powerpoint/2010/main">
+        <mc:Choice Requires="p14">
           <p:contentPart p14:bwMode="auto" r:id="rId73">
             <p14:nvContentPartPr>
               <p14:cNvPr id="97" name="Ink 96">
@@ -25178,7 +25191,7 @@
             </p14:xfrm>
           </p:contentPart>
         </mc:Choice>
-        <mc:Fallback>
+        <mc:Fallback xmlns="">
           <p:pic>
             <p:nvPicPr>
               <p:cNvPr id="97" name="Ink 96">
@@ -25229,8 +25242,8 @@
             <a:chExt cx="433800" cy="159840"/>
           </a:xfrm>
         </p:grpSpPr>
-        <mc:AlternateContent xmlns:mc="http://schemas.openxmlformats.org/markup-compatibility/2006">
-          <mc:Choice xmlns:p14="http://schemas.microsoft.com/office/powerpoint/2010/main" Requires="p14">
+        <mc:AlternateContent xmlns:mc="http://schemas.openxmlformats.org/markup-compatibility/2006" xmlns:p14="http://schemas.microsoft.com/office/powerpoint/2010/main">
+          <mc:Choice Requires="p14">
             <p:contentPart p14:bwMode="auto" r:id="rId75">
               <p14:nvContentPartPr>
                 <p14:cNvPr id="99" name="Ink 98">
@@ -25249,7 +25262,7 @@
               </p14:xfrm>
             </p:contentPart>
           </mc:Choice>
-          <mc:Fallback>
+          <mc:Fallback xmlns="">
             <p:pic>
               <p:nvPicPr>
                 <p:cNvPr id="99" name="Ink 98">
@@ -25280,8 +25293,8 @@
             </p:pic>
           </mc:Fallback>
         </mc:AlternateContent>
-        <mc:AlternateContent xmlns:mc="http://schemas.openxmlformats.org/markup-compatibility/2006">
-          <mc:Choice xmlns:p14="http://schemas.microsoft.com/office/powerpoint/2010/main" Requires="p14">
+        <mc:AlternateContent xmlns:mc="http://schemas.openxmlformats.org/markup-compatibility/2006" xmlns:p14="http://schemas.microsoft.com/office/powerpoint/2010/main">
+          <mc:Choice Requires="p14">
             <p:contentPart p14:bwMode="auto" r:id="rId77">
               <p14:nvContentPartPr>
                 <p14:cNvPr id="100" name="Ink 99">
@@ -25300,7 +25313,7 @@
               </p14:xfrm>
             </p:contentPart>
           </mc:Choice>
-          <mc:Fallback>
+          <mc:Fallback xmlns="">
             <p:pic>
               <p:nvPicPr>
                 <p:cNvPr id="100" name="Ink 99">
@@ -25331,8 +25344,8 @@
             </p:pic>
           </mc:Fallback>
         </mc:AlternateContent>
-        <mc:AlternateContent xmlns:mc="http://schemas.openxmlformats.org/markup-compatibility/2006">
-          <mc:Choice xmlns:p14="http://schemas.microsoft.com/office/powerpoint/2010/main" Requires="p14">
+        <mc:AlternateContent xmlns:mc="http://schemas.openxmlformats.org/markup-compatibility/2006" xmlns:p14="http://schemas.microsoft.com/office/powerpoint/2010/main">
+          <mc:Choice Requires="p14">
             <p:contentPart p14:bwMode="auto" r:id="rId79">
               <p14:nvContentPartPr>
                 <p14:cNvPr id="101" name="Ink 100">
@@ -25351,7 +25364,7 @@
               </p14:xfrm>
             </p:contentPart>
           </mc:Choice>
-          <mc:Fallback>
+          <mc:Fallback xmlns="">
             <p:pic>
               <p:nvPicPr>
                 <p:cNvPr id="101" name="Ink 100">
@@ -25382,8 +25395,8 @@
             </p:pic>
           </mc:Fallback>
         </mc:AlternateContent>
-        <mc:AlternateContent xmlns:mc="http://schemas.openxmlformats.org/markup-compatibility/2006">
-          <mc:Choice xmlns:p14="http://schemas.microsoft.com/office/powerpoint/2010/main" Requires="p14">
+        <mc:AlternateContent xmlns:mc="http://schemas.openxmlformats.org/markup-compatibility/2006" xmlns:p14="http://schemas.microsoft.com/office/powerpoint/2010/main">
+          <mc:Choice Requires="p14">
             <p:contentPart p14:bwMode="auto" r:id="rId81">
               <p14:nvContentPartPr>
                 <p14:cNvPr id="102" name="Ink 101">
@@ -25402,7 +25415,7 @@
               </p14:xfrm>
             </p:contentPart>
           </mc:Choice>
-          <mc:Fallback>
+          <mc:Fallback xmlns="">
             <p:pic>
               <p:nvPicPr>
                 <p:cNvPr id="102" name="Ink 101">
@@ -25433,8 +25446,8 @@
             </p:pic>
           </mc:Fallback>
         </mc:AlternateContent>
-        <mc:AlternateContent xmlns:mc="http://schemas.openxmlformats.org/markup-compatibility/2006">
-          <mc:Choice xmlns:p14="http://schemas.microsoft.com/office/powerpoint/2010/main" Requires="p14">
+        <mc:AlternateContent xmlns:mc="http://schemas.openxmlformats.org/markup-compatibility/2006" xmlns:p14="http://schemas.microsoft.com/office/powerpoint/2010/main">
+          <mc:Choice Requires="p14">
             <p:contentPart p14:bwMode="auto" r:id="rId83">
               <p14:nvContentPartPr>
                 <p14:cNvPr id="103" name="Ink 102">
@@ -25453,7 +25466,7 @@
               </p14:xfrm>
             </p:contentPart>
           </mc:Choice>
-          <mc:Fallback>
+          <mc:Fallback xmlns="">
             <p:pic>
               <p:nvPicPr>
                 <p:cNvPr id="103" name="Ink 102">
@@ -25485,8 +25498,8 @@
           </mc:Fallback>
         </mc:AlternateContent>
       </p:grpSp>
-      <mc:AlternateContent xmlns:mc="http://schemas.openxmlformats.org/markup-compatibility/2006">
-        <mc:Choice xmlns:p14="http://schemas.microsoft.com/office/powerpoint/2010/main" Requires="p14">
+      <mc:AlternateContent xmlns:mc="http://schemas.openxmlformats.org/markup-compatibility/2006" xmlns:p14="http://schemas.microsoft.com/office/powerpoint/2010/main">
+        <mc:Choice Requires="p14">
           <p:contentPart p14:bwMode="auto" r:id="rId85">
             <p14:nvContentPartPr>
               <p14:cNvPr id="106" name="Ink 105">
@@ -25505,7 +25518,7 @@
             </p14:xfrm>
           </p:contentPart>
         </mc:Choice>
-        <mc:Fallback>
+        <mc:Fallback xmlns="">
           <p:pic>
             <p:nvPicPr>
               <p:cNvPr id="106" name="Ink 105">
@@ -25556,8 +25569,8 @@
             <a:chExt cx="323280" cy="113040"/>
           </a:xfrm>
         </p:grpSpPr>
-        <mc:AlternateContent xmlns:mc="http://schemas.openxmlformats.org/markup-compatibility/2006">
-          <mc:Choice xmlns:p14="http://schemas.microsoft.com/office/powerpoint/2010/main" Requires="p14">
+        <mc:AlternateContent xmlns:mc="http://schemas.openxmlformats.org/markup-compatibility/2006" xmlns:p14="http://schemas.microsoft.com/office/powerpoint/2010/main">
+          <mc:Choice Requires="p14">
             <p:contentPart p14:bwMode="auto" r:id="rId87">
               <p14:nvContentPartPr>
                 <p14:cNvPr id="109" name="Ink 108">
@@ -25576,7 +25589,7 @@
               </p14:xfrm>
             </p:contentPart>
           </mc:Choice>
-          <mc:Fallback>
+          <mc:Fallback xmlns="">
             <p:pic>
               <p:nvPicPr>
                 <p:cNvPr id="109" name="Ink 108">
@@ -25607,8 +25620,8 @@
             </p:pic>
           </mc:Fallback>
         </mc:AlternateContent>
-        <mc:AlternateContent xmlns:mc="http://schemas.openxmlformats.org/markup-compatibility/2006">
-          <mc:Choice xmlns:p14="http://schemas.microsoft.com/office/powerpoint/2010/main" Requires="p14">
+        <mc:AlternateContent xmlns:mc="http://schemas.openxmlformats.org/markup-compatibility/2006" xmlns:p14="http://schemas.microsoft.com/office/powerpoint/2010/main">
+          <mc:Choice Requires="p14">
             <p:contentPart p14:bwMode="auto" r:id="rId89">
               <p14:nvContentPartPr>
                 <p14:cNvPr id="110" name="Ink 109">
@@ -25627,7 +25640,7 @@
               </p14:xfrm>
             </p:contentPart>
           </mc:Choice>
-          <mc:Fallback>
+          <mc:Fallback xmlns="">
             <p:pic>
               <p:nvPicPr>
                 <p:cNvPr id="110" name="Ink 109">
@@ -25658,8 +25671,8 @@
             </p:pic>
           </mc:Fallback>
         </mc:AlternateContent>
-        <mc:AlternateContent xmlns:mc="http://schemas.openxmlformats.org/markup-compatibility/2006">
-          <mc:Choice xmlns:p14="http://schemas.microsoft.com/office/powerpoint/2010/main" Requires="p14">
+        <mc:AlternateContent xmlns:mc="http://schemas.openxmlformats.org/markup-compatibility/2006" xmlns:p14="http://schemas.microsoft.com/office/powerpoint/2010/main">
+          <mc:Choice Requires="p14">
             <p:contentPart p14:bwMode="auto" r:id="rId91">
               <p14:nvContentPartPr>
                 <p14:cNvPr id="112" name="Ink 111">
@@ -25678,7 +25691,7 @@
               </p14:xfrm>
             </p:contentPart>
           </mc:Choice>
-          <mc:Fallback>
+          <mc:Fallback xmlns="">
             <p:pic>
               <p:nvPicPr>
                 <p:cNvPr id="112" name="Ink 111">
@@ -25709,8 +25722,8 @@
             </p:pic>
           </mc:Fallback>
         </mc:AlternateContent>
-        <mc:AlternateContent xmlns:mc="http://schemas.openxmlformats.org/markup-compatibility/2006">
-          <mc:Choice xmlns:p14="http://schemas.microsoft.com/office/powerpoint/2010/main" Requires="p14">
+        <mc:AlternateContent xmlns:mc="http://schemas.openxmlformats.org/markup-compatibility/2006" xmlns:p14="http://schemas.microsoft.com/office/powerpoint/2010/main">
+          <mc:Choice Requires="p14">
             <p:contentPart p14:bwMode="auto" r:id="rId93">
               <p14:nvContentPartPr>
                 <p14:cNvPr id="114" name="Ink 113">
@@ -25729,7 +25742,7 @@
               </p14:xfrm>
             </p:contentPart>
           </mc:Choice>
-          <mc:Fallback>
+          <mc:Fallback xmlns="">
             <p:pic>
               <p:nvPicPr>
                 <p:cNvPr id="114" name="Ink 113">
@@ -26167,8 +26180,8 @@
           </a:p>
         </p:txBody>
       </p:sp>
-      <mc:AlternateContent xmlns:mc="http://schemas.openxmlformats.org/markup-compatibility/2006">
-        <mc:Choice xmlns:p14="http://schemas.microsoft.com/office/powerpoint/2010/main" Requires="p14">
+      <mc:AlternateContent xmlns:mc="http://schemas.openxmlformats.org/markup-compatibility/2006" xmlns:p14="http://schemas.microsoft.com/office/powerpoint/2010/main">
+        <mc:Choice Requires="p14">
           <p:contentPart p14:bwMode="auto" r:id="rId3">
             <p14:nvContentPartPr>
               <p14:cNvPr id="7" name="Ink 6">
@@ -26187,7 +26200,7 @@
             </p14:xfrm>
           </p:contentPart>
         </mc:Choice>
-        <mc:Fallback>
+        <mc:Fallback xmlns="">
           <p:pic>
             <p:nvPicPr>
               <p:cNvPr id="7" name="Ink 6">
@@ -26346,8 +26359,8 @@
           </a:p>
         </p:txBody>
       </p:sp>
-      <mc:AlternateContent xmlns:mc="http://schemas.openxmlformats.org/markup-compatibility/2006">
-        <mc:Choice xmlns:p14="http://schemas.microsoft.com/office/powerpoint/2010/main" Requires="p14">
+      <mc:AlternateContent xmlns:mc="http://schemas.openxmlformats.org/markup-compatibility/2006" xmlns:p14="http://schemas.microsoft.com/office/powerpoint/2010/main">
+        <mc:Choice Requires="p14">
           <p:contentPart p14:bwMode="auto" r:id="rId5">
             <p14:nvContentPartPr>
               <p14:cNvPr id="12" name="Ink 11">
@@ -26366,7 +26379,7 @@
             </p14:xfrm>
           </p:contentPart>
         </mc:Choice>
-        <mc:Fallback>
+        <mc:Fallback xmlns="">
           <p:pic>
             <p:nvPicPr>
               <p:cNvPr id="12" name="Ink 11">
@@ -26397,8 +26410,8 @@
           </p:pic>
         </mc:Fallback>
       </mc:AlternateContent>
-      <mc:AlternateContent xmlns:mc="http://schemas.openxmlformats.org/markup-compatibility/2006">
-        <mc:Choice xmlns:p14="http://schemas.microsoft.com/office/powerpoint/2010/main" Requires="p14">
+      <mc:AlternateContent xmlns:mc="http://schemas.openxmlformats.org/markup-compatibility/2006" xmlns:p14="http://schemas.microsoft.com/office/powerpoint/2010/main">
+        <mc:Choice Requires="p14">
           <p:contentPart p14:bwMode="auto" r:id="rId7">
             <p14:nvContentPartPr>
               <p14:cNvPr id="21" name="Ink 20">
@@ -26417,7 +26430,7 @@
             </p14:xfrm>
           </p:contentPart>
         </mc:Choice>
-        <mc:Fallback>
+        <mc:Fallback xmlns="">
           <p:pic>
             <p:nvPicPr>
               <p:cNvPr id="21" name="Ink 20">
@@ -26448,8 +26461,8 @@
           </p:pic>
         </mc:Fallback>
       </mc:AlternateContent>
-      <mc:AlternateContent xmlns:mc="http://schemas.openxmlformats.org/markup-compatibility/2006">
-        <mc:Choice xmlns:p14="http://schemas.microsoft.com/office/powerpoint/2010/main" Requires="p14">
+      <mc:AlternateContent xmlns:mc="http://schemas.openxmlformats.org/markup-compatibility/2006" xmlns:p14="http://schemas.microsoft.com/office/powerpoint/2010/main">
+        <mc:Choice Requires="p14">
           <p:contentPart p14:bwMode="auto" r:id="rId9">
             <p14:nvContentPartPr>
               <p14:cNvPr id="23" name="Ink 22">
@@ -26468,7 +26481,7 @@
             </p14:xfrm>
           </p:contentPart>
         </mc:Choice>
-        <mc:Fallback>
+        <mc:Fallback xmlns="">
           <p:pic>
             <p:nvPicPr>
               <p:cNvPr id="23" name="Ink 22">
@@ -26499,8 +26512,8 @@
           </p:pic>
         </mc:Fallback>
       </mc:AlternateContent>
-      <mc:AlternateContent xmlns:mc="http://schemas.openxmlformats.org/markup-compatibility/2006">
-        <mc:Choice xmlns:p14="http://schemas.microsoft.com/office/powerpoint/2010/main" Requires="p14">
+      <mc:AlternateContent xmlns:mc="http://schemas.openxmlformats.org/markup-compatibility/2006" xmlns:p14="http://schemas.microsoft.com/office/powerpoint/2010/main">
+        <mc:Choice Requires="p14">
           <p:contentPart p14:bwMode="auto" r:id="rId11">
             <p14:nvContentPartPr>
               <p14:cNvPr id="44" name="Ink 43">
@@ -26519,7 +26532,7 @@
             </p14:xfrm>
           </p:contentPart>
         </mc:Choice>
-        <mc:Fallback>
+        <mc:Fallback xmlns="">
           <p:pic>
             <p:nvPicPr>
               <p:cNvPr id="44" name="Ink 43">
@@ -26570,8 +26583,8 @@
             <a:chExt cx="573020" cy="297407"/>
           </a:xfrm>
         </p:grpSpPr>
-        <mc:AlternateContent xmlns:mc="http://schemas.openxmlformats.org/markup-compatibility/2006">
-          <mc:Choice xmlns:p14="http://schemas.microsoft.com/office/powerpoint/2010/main" Requires="p14">
+        <mc:AlternateContent xmlns:mc="http://schemas.openxmlformats.org/markup-compatibility/2006" xmlns:p14="http://schemas.microsoft.com/office/powerpoint/2010/main">
+          <mc:Choice Requires="p14">
             <p:contentPart p14:bwMode="auto" r:id="rId13">
               <p14:nvContentPartPr>
                 <p14:cNvPr id="24" name="Ink 23">
@@ -26590,7 +26603,7 @@
               </p14:xfrm>
             </p:contentPart>
           </mc:Choice>
-          <mc:Fallback>
+          <mc:Fallback xmlns="">
             <p:pic>
               <p:nvPicPr>
                 <p:cNvPr id="24" name="Ink 23">
@@ -26621,8 +26634,8 @@
             </p:pic>
           </mc:Fallback>
         </mc:AlternateContent>
-        <mc:AlternateContent xmlns:mc="http://schemas.openxmlformats.org/markup-compatibility/2006">
-          <mc:Choice xmlns:p14="http://schemas.microsoft.com/office/powerpoint/2010/main" Requires="p14">
+        <mc:AlternateContent xmlns:mc="http://schemas.openxmlformats.org/markup-compatibility/2006" xmlns:p14="http://schemas.microsoft.com/office/powerpoint/2010/main">
+          <mc:Choice Requires="p14">
             <p:contentPart p14:bwMode="auto" r:id="rId15">
               <p14:nvContentPartPr>
                 <p14:cNvPr id="25" name="Ink 24">
@@ -26641,7 +26654,7 @@
               </p14:xfrm>
             </p:contentPart>
           </mc:Choice>
-          <mc:Fallback>
+          <mc:Fallback xmlns="">
             <p:pic>
               <p:nvPicPr>
                 <p:cNvPr id="25" name="Ink 24">
@@ -26672,8 +26685,8 @@
             </p:pic>
           </mc:Fallback>
         </mc:AlternateContent>
-        <mc:AlternateContent xmlns:mc="http://schemas.openxmlformats.org/markup-compatibility/2006">
-          <mc:Choice xmlns:p14="http://schemas.microsoft.com/office/powerpoint/2010/main" Requires="p14">
+        <mc:AlternateContent xmlns:mc="http://schemas.openxmlformats.org/markup-compatibility/2006" xmlns:p14="http://schemas.microsoft.com/office/powerpoint/2010/main">
+          <mc:Choice Requires="p14">
             <p:contentPart p14:bwMode="auto" r:id="rId17">
               <p14:nvContentPartPr>
                 <p14:cNvPr id="26" name="Ink 25">
@@ -26692,7 +26705,7 @@
               </p14:xfrm>
             </p:contentPart>
           </mc:Choice>
-          <mc:Fallback>
+          <mc:Fallback xmlns="">
             <p:pic>
               <p:nvPicPr>
                 <p:cNvPr id="26" name="Ink 25">
@@ -26723,8 +26736,8 @@
             </p:pic>
           </mc:Fallback>
         </mc:AlternateContent>
-        <mc:AlternateContent xmlns:mc="http://schemas.openxmlformats.org/markup-compatibility/2006">
-          <mc:Choice xmlns:p14="http://schemas.microsoft.com/office/powerpoint/2010/main" Requires="p14">
+        <mc:AlternateContent xmlns:mc="http://schemas.openxmlformats.org/markup-compatibility/2006" xmlns:p14="http://schemas.microsoft.com/office/powerpoint/2010/main">
+          <mc:Choice Requires="p14">
             <p:contentPart p14:bwMode="auto" r:id="rId19">
               <p14:nvContentPartPr>
                 <p14:cNvPr id="28" name="Ink 27">
@@ -26743,7 +26756,7 @@
               </p14:xfrm>
             </p:contentPart>
           </mc:Choice>
-          <mc:Fallback>
+          <mc:Fallback xmlns="">
             <p:pic>
               <p:nvPicPr>
                 <p:cNvPr id="28" name="Ink 27">
@@ -26774,8 +26787,8 @@
             </p:pic>
           </mc:Fallback>
         </mc:AlternateContent>
-        <mc:AlternateContent xmlns:mc="http://schemas.openxmlformats.org/markup-compatibility/2006">
-          <mc:Choice xmlns:p14="http://schemas.microsoft.com/office/powerpoint/2010/main" Requires="p14">
+        <mc:AlternateContent xmlns:mc="http://schemas.openxmlformats.org/markup-compatibility/2006" xmlns:p14="http://schemas.microsoft.com/office/powerpoint/2010/main">
+          <mc:Choice Requires="p14">
             <p:contentPart p14:bwMode="auto" r:id="rId21">
               <p14:nvContentPartPr>
                 <p14:cNvPr id="29" name="Ink 28">
@@ -26794,7 +26807,7 @@
               </p14:xfrm>
             </p:contentPart>
           </mc:Choice>
-          <mc:Fallback>
+          <mc:Fallback xmlns="">
             <p:pic>
               <p:nvPicPr>
                 <p:cNvPr id="29" name="Ink 28">
@@ -26825,8 +26838,8 @@
             </p:pic>
           </mc:Fallback>
         </mc:AlternateContent>
-        <mc:AlternateContent xmlns:mc="http://schemas.openxmlformats.org/markup-compatibility/2006">
-          <mc:Choice xmlns:p14="http://schemas.microsoft.com/office/powerpoint/2010/main" Requires="p14">
+        <mc:AlternateContent xmlns:mc="http://schemas.openxmlformats.org/markup-compatibility/2006" xmlns:p14="http://schemas.microsoft.com/office/powerpoint/2010/main">
+          <mc:Choice Requires="p14">
             <p:contentPart p14:bwMode="auto" r:id="rId23">
               <p14:nvContentPartPr>
                 <p14:cNvPr id="31" name="Ink 30">
@@ -26845,7 +26858,7 @@
               </p14:xfrm>
             </p:contentPart>
           </mc:Choice>
-          <mc:Fallback>
+          <mc:Fallback xmlns="">
             <p:pic>
               <p:nvPicPr>
                 <p:cNvPr id="31" name="Ink 30">
@@ -26876,8 +26889,8 @@
             </p:pic>
           </mc:Fallback>
         </mc:AlternateContent>
-        <mc:AlternateContent xmlns:mc="http://schemas.openxmlformats.org/markup-compatibility/2006">
-          <mc:Choice xmlns:p14="http://schemas.microsoft.com/office/powerpoint/2010/main" Requires="p14">
+        <mc:AlternateContent xmlns:mc="http://schemas.openxmlformats.org/markup-compatibility/2006" xmlns:p14="http://schemas.microsoft.com/office/powerpoint/2010/main">
+          <mc:Choice Requires="p14">
             <p:contentPart p14:bwMode="auto" r:id="rId25">
               <p14:nvContentPartPr>
                 <p14:cNvPr id="32" name="Ink 31">
@@ -26896,7 +26909,7 @@
               </p14:xfrm>
             </p:contentPart>
           </mc:Choice>
-          <mc:Fallback>
+          <mc:Fallback xmlns="">
             <p:pic>
               <p:nvPicPr>
                 <p:cNvPr id="32" name="Ink 31">
@@ -26927,8 +26940,8 @@
             </p:pic>
           </mc:Fallback>
         </mc:AlternateContent>
-        <mc:AlternateContent xmlns:mc="http://schemas.openxmlformats.org/markup-compatibility/2006">
-          <mc:Choice xmlns:p14="http://schemas.microsoft.com/office/powerpoint/2010/main" Requires="p14">
+        <mc:AlternateContent xmlns:mc="http://schemas.openxmlformats.org/markup-compatibility/2006" xmlns:p14="http://schemas.microsoft.com/office/powerpoint/2010/main">
+          <mc:Choice Requires="p14">
             <p:contentPart p14:bwMode="auto" r:id="rId27">
               <p14:nvContentPartPr>
                 <p14:cNvPr id="33" name="Ink 32">
@@ -26947,7 +26960,7 @@
               </p14:xfrm>
             </p:contentPart>
           </mc:Choice>
-          <mc:Fallback>
+          <mc:Fallback xmlns="">
             <p:pic>
               <p:nvPicPr>
                 <p:cNvPr id="33" name="Ink 32">
@@ -26978,8 +26991,8 @@
             </p:pic>
           </mc:Fallback>
         </mc:AlternateContent>
-        <mc:AlternateContent xmlns:mc="http://schemas.openxmlformats.org/markup-compatibility/2006">
-          <mc:Choice xmlns:p14="http://schemas.microsoft.com/office/powerpoint/2010/main" Requires="p14">
+        <mc:AlternateContent xmlns:mc="http://schemas.openxmlformats.org/markup-compatibility/2006" xmlns:p14="http://schemas.microsoft.com/office/powerpoint/2010/main">
+          <mc:Choice Requires="p14">
             <p:contentPart p14:bwMode="auto" r:id="rId29">
               <p14:nvContentPartPr>
                 <p14:cNvPr id="35" name="Ink 34">
@@ -26998,7 +27011,7 @@
               </p14:xfrm>
             </p:contentPart>
           </mc:Choice>
-          <mc:Fallback>
+          <mc:Fallback xmlns="">
             <p:pic>
               <p:nvPicPr>
                 <p:cNvPr id="35" name="Ink 34">
@@ -27029,8 +27042,8 @@
             </p:pic>
           </mc:Fallback>
         </mc:AlternateContent>
-        <mc:AlternateContent xmlns:mc="http://schemas.openxmlformats.org/markup-compatibility/2006">
-          <mc:Choice xmlns:p14="http://schemas.microsoft.com/office/powerpoint/2010/main" Requires="p14">
+        <mc:AlternateContent xmlns:mc="http://schemas.openxmlformats.org/markup-compatibility/2006" xmlns:p14="http://schemas.microsoft.com/office/powerpoint/2010/main">
+          <mc:Choice Requires="p14">
             <p:contentPart p14:bwMode="auto" r:id="rId31">
               <p14:nvContentPartPr>
                 <p14:cNvPr id="36" name="Ink 35">
@@ -27049,7 +27062,7 @@
               </p14:xfrm>
             </p:contentPart>
           </mc:Choice>
-          <mc:Fallback>
+          <mc:Fallback xmlns="">
             <p:pic>
               <p:nvPicPr>
                 <p:cNvPr id="36" name="Ink 35">
@@ -27080,8 +27093,8 @@
             </p:pic>
           </mc:Fallback>
         </mc:AlternateContent>
-        <mc:AlternateContent xmlns:mc="http://schemas.openxmlformats.org/markup-compatibility/2006">
-          <mc:Choice xmlns:p14="http://schemas.microsoft.com/office/powerpoint/2010/main" Requires="p14">
+        <mc:AlternateContent xmlns:mc="http://schemas.openxmlformats.org/markup-compatibility/2006" xmlns:p14="http://schemas.microsoft.com/office/powerpoint/2010/main">
+          <mc:Choice Requires="p14">
             <p:contentPart p14:bwMode="auto" r:id="rId33">
               <p14:nvContentPartPr>
                 <p14:cNvPr id="38" name="Ink 37">
@@ -27100,7 +27113,7 @@
               </p14:xfrm>
             </p:contentPart>
           </mc:Choice>
-          <mc:Fallback>
+          <mc:Fallback xmlns="">
             <p:pic>
               <p:nvPicPr>
                 <p:cNvPr id="38" name="Ink 37">
@@ -27131,8 +27144,8 @@
             </p:pic>
           </mc:Fallback>
         </mc:AlternateContent>
-        <mc:AlternateContent xmlns:mc="http://schemas.openxmlformats.org/markup-compatibility/2006">
-          <mc:Choice xmlns:p14="http://schemas.microsoft.com/office/powerpoint/2010/main" Requires="p14">
+        <mc:AlternateContent xmlns:mc="http://schemas.openxmlformats.org/markup-compatibility/2006" xmlns:p14="http://schemas.microsoft.com/office/powerpoint/2010/main">
+          <mc:Choice Requires="p14">
             <p:contentPart p14:bwMode="auto" r:id="rId35">
               <p14:nvContentPartPr>
                 <p14:cNvPr id="40" name="Ink 39">
@@ -27151,7 +27164,7 @@
               </p14:xfrm>
             </p:contentPart>
           </mc:Choice>
-          <mc:Fallback>
+          <mc:Fallback xmlns="">
             <p:pic>
               <p:nvPicPr>
                 <p:cNvPr id="40" name="Ink 39">
@@ -27182,8 +27195,8 @@
             </p:pic>
           </mc:Fallback>
         </mc:AlternateContent>
-        <mc:AlternateContent xmlns:mc="http://schemas.openxmlformats.org/markup-compatibility/2006">
-          <mc:Choice xmlns:p14="http://schemas.microsoft.com/office/powerpoint/2010/main" Requires="p14">
+        <mc:AlternateContent xmlns:mc="http://schemas.openxmlformats.org/markup-compatibility/2006" xmlns:p14="http://schemas.microsoft.com/office/powerpoint/2010/main">
+          <mc:Choice Requires="p14">
             <p:contentPart p14:bwMode="auto" r:id="rId37">
               <p14:nvContentPartPr>
                 <p14:cNvPr id="46" name="Ink 45">
@@ -27202,7 +27215,7 @@
               </p14:xfrm>
             </p:contentPart>
           </mc:Choice>
-          <mc:Fallback>
+          <mc:Fallback xmlns="">
             <p:pic>
               <p:nvPicPr>
                 <p:cNvPr id="46" name="Ink 45">
@@ -27233,8 +27246,8 @@
             </p:pic>
           </mc:Fallback>
         </mc:AlternateContent>
-        <mc:AlternateContent xmlns:mc="http://schemas.openxmlformats.org/markup-compatibility/2006">
-          <mc:Choice xmlns:p14="http://schemas.microsoft.com/office/powerpoint/2010/main" Requires="p14">
+        <mc:AlternateContent xmlns:mc="http://schemas.openxmlformats.org/markup-compatibility/2006" xmlns:p14="http://schemas.microsoft.com/office/powerpoint/2010/main">
+          <mc:Choice Requires="p14">
             <p:contentPart p14:bwMode="auto" r:id="rId39">
               <p14:nvContentPartPr>
                 <p14:cNvPr id="48" name="Ink 47">
@@ -27253,7 +27266,7 @@
               </p14:xfrm>
             </p:contentPart>
           </mc:Choice>
-          <mc:Fallback>
+          <mc:Fallback xmlns="">
             <p:pic>
               <p:nvPicPr>
                 <p:cNvPr id="48" name="Ink 47">
@@ -27305,8 +27318,8 @@
             <a:chExt cx="276840" cy="134280"/>
           </a:xfrm>
         </p:grpSpPr>
-        <mc:AlternateContent xmlns:mc="http://schemas.openxmlformats.org/markup-compatibility/2006">
-          <mc:Choice xmlns:p14="http://schemas.microsoft.com/office/powerpoint/2010/main" Requires="p14">
+        <mc:AlternateContent xmlns:mc="http://schemas.openxmlformats.org/markup-compatibility/2006" xmlns:p14="http://schemas.microsoft.com/office/powerpoint/2010/main">
+          <mc:Choice Requires="p14">
             <p:contentPart p14:bwMode="auto" r:id="rId41">
               <p14:nvContentPartPr>
                 <p14:cNvPr id="50" name="Ink 49">
@@ -27325,7 +27338,7 @@
               </p14:xfrm>
             </p:contentPart>
           </mc:Choice>
-          <mc:Fallback>
+          <mc:Fallback xmlns="">
             <p:pic>
               <p:nvPicPr>
                 <p:cNvPr id="50" name="Ink 49">
@@ -27356,8 +27369,8 @@
             </p:pic>
           </mc:Fallback>
         </mc:AlternateContent>
-        <mc:AlternateContent xmlns:mc="http://schemas.openxmlformats.org/markup-compatibility/2006">
-          <mc:Choice xmlns:p14="http://schemas.microsoft.com/office/powerpoint/2010/main" Requires="p14">
+        <mc:AlternateContent xmlns:mc="http://schemas.openxmlformats.org/markup-compatibility/2006" xmlns:p14="http://schemas.microsoft.com/office/powerpoint/2010/main">
+          <mc:Choice Requires="p14">
             <p:contentPart p14:bwMode="auto" r:id="rId43">
               <p14:nvContentPartPr>
                 <p14:cNvPr id="51" name="Ink 50">
@@ -27376,7 +27389,7 @@
               </p14:xfrm>
             </p:contentPart>
           </mc:Choice>
-          <mc:Fallback>
+          <mc:Fallback xmlns="">
             <p:pic>
               <p:nvPicPr>
                 <p:cNvPr id="51" name="Ink 50">
@@ -27407,8 +27420,8 @@
             </p:pic>
           </mc:Fallback>
         </mc:AlternateContent>
-        <mc:AlternateContent xmlns:mc="http://schemas.openxmlformats.org/markup-compatibility/2006">
-          <mc:Choice xmlns:p14="http://schemas.microsoft.com/office/powerpoint/2010/main" Requires="p14">
+        <mc:AlternateContent xmlns:mc="http://schemas.openxmlformats.org/markup-compatibility/2006" xmlns:p14="http://schemas.microsoft.com/office/powerpoint/2010/main">
+          <mc:Choice Requires="p14">
             <p:contentPart p14:bwMode="auto" r:id="rId45">
               <p14:nvContentPartPr>
                 <p14:cNvPr id="54" name="Ink 53">
@@ -27427,7 +27440,7 @@
               </p14:xfrm>
             </p:contentPart>
           </mc:Choice>
-          <mc:Fallback>
+          <mc:Fallback xmlns="">
             <p:pic>
               <p:nvPicPr>
                 <p:cNvPr id="54" name="Ink 53">
@@ -27459,8 +27472,8 @@
           </mc:Fallback>
         </mc:AlternateContent>
       </p:grpSp>
-      <mc:AlternateContent xmlns:mc="http://schemas.openxmlformats.org/markup-compatibility/2006">
-        <mc:Choice xmlns:p14="http://schemas.microsoft.com/office/powerpoint/2010/main" Requires="p14">
+      <mc:AlternateContent xmlns:mc="http://schemas.openxmlformats.org/markup-compatibility/2006" xmlns:p14="http://schemas.microsoft.com/office/powerpoint/2010/main">
+        <mc:Choice Requires="p14">
           <p:contentPart p14:bwMode="auto" r:id="rId47">
             <p14:nvContentPartPr>
               <p14:cNvPr id="56" name="Ink 55">
@@ -27479,7 +27492,7 @@
             </p14:xfrm>
           </p:contentPart>
         </mc:Choice>
-        <mc:Fallback>
+        <mc:Fallback xmlns="">
           <p:pic>
             <p:nvPicPr>
               <p:cNvPr id="56" name="Ink 55">
@@ -27530,8 +27543,8 @@
             <a:chExt cx="690120" cy="167040"/>
           </a:xfrm>
         </p:grpSpPr>
-        <mc:AlternateContent xmlns:mc="http://schemas.openxmlformats.org/markup-compatibility/2006">
-          <mc:Choice xmlns:p14="http://schemas.microsoft.com/office/powerpoint/2010/main" Requires="p14">
+        <mc:AlternateContent xmlns:mc="http://schemas.openxmlformats.org/markup-compatibility/2006" xmlns:p14="http://schemas.microsoft.com/office/powerpoint/2010/main">
+          <mc:Choice Requires="p14">
             <p:contentPart p14:bwMode="auto" r:id="rId49">
               <p14:nvContentPartPr>
                 <p14:cNvPr id="57" name="Ink 56">
@@ -27550,7 +27563,7 @@
               </p14:xfrm>
             </p:contentPart>
           </mc:Choice>
-          <mc:Fallback>
+          <mc:Fallback xmlns="">
             <p:pic>
               <p:nvPicPr>
                 <p:cNvPr id="57" name="Ink 56">
@@ -27581,8 +27594,8 @@
             </p:pic>
           </mc:Fallback>
         </mc:AlternateContent>
-        <mc:AlternateContent xmlns:mc="http://schemas.openxmlformats.org/markup-compatibility/2006">
-          <mc:Choice xmlns:p14="http://schemas.microsoft.com/office/powerpoint/2010/main" Requires="p14">
+        <mc:AlternateContent xmlns:mc="http://schemas.openxmlformats.org/markup-compatibility/2006" xmlns:p14="http://schemas.microsoft.com/office/powerpoint/2010/main">
+          <mc:Choice Requires="p14">
             <p:contentPart p14:bwMode="auto" r:id="rId51">
               <p14:nvContentPartPr>
                 <p14:cNvPr id="58" name="Ink 57">
@@ -27601,7 +27614,7 @@
               </p14:xfrm>
             </p:contentPart>
           </mc:Choice>
-          <mc:Fallback>
+          <mc:Fallback xmlns="">
             <p:pic>
               <p:nvPicPr>
                 <p:cNvPr id="58" name="Ink 57">
@@ -27632,8 +27645,8 @@
             </p:pic>
           </mc:Fallback>
         </mc:AlternateContent>
-        <mc:AlternateContent xmlns:mc="http://schemas.openxmlformats.org/markup-compatibility/2006">
-          <mc:Choice xmlns:p14="http://schemas.microsoft.com/office/powerpoint/2010/main" Requires="p14">
+        <mc:AlternateContent xmlns:mc="http://schemas.openxmlformats.org/markup-compatibility/2006" xmlns:p14="http://schemas.microsoft.com/office/powerpoint/2010/main">
+          <mc:Choice Requires="p14">
             <p:contentPart p14:bwMode="auto" r:id="rId53">
               <p14:nvContentPartPr>
                 <p14:cNvPr id="60" name="Ink 59">
@@ -27652,7 +27665,7 @@
               </p14:xfrm>
             </p:contentPart>
           </mc:Choice>
-          <mc:Fallback>
+          <mc:Fallback xmlns="">
             <p:pic>
               <p:nvPicPr>
                 <p:cNvPr id="60" name="Ink 59">
@@ -27683,8 +27696,8 @@
             </p:pic>
           </mc:Fallback>
         </mc:AlternateContent>
-        <mc:AlternateContent xmlns:mc="http://schemas.openxmlformats.org/markup-compatibility/2006">
-          <mc:Choice xmlns:p14="http://schemas.microsoft.com/office/powerpoint/2010/main" Requires="p14">
+        <mc:AlternateContent xmlns:mc="http://schemas.openxmlformats.org/markup-compatibility/2006" xmlns:p14="http://schemas.microsoft.com/office/powerpoint/2010/main">
+          <mc:Choice Requires="p14">
             <p:contentPart p14:bwMode="auto" r:id="rId55">
               <p14:nvContentPartPr>
                 <p14:cNvPr id="62" name="Ink 61">
@@ -27703,7 +27716,7 @@
               </p14:xfrm>
             </p:contentPart>
           </mc:Choice>
-          <mc:Fallback>
+          <mc:Fallback xmlns="">
             <p:pic>
               <p:nvPicPr>
                 <p:cNvPr id="62" name="Ink 61">
@@ -27734,8 +27747,8 @@
             </p:pic>
           </mc:Fallback>
         </mc:AlternateContent>
-        <mc:AlternateContent xmlns:mc="http://schemas.openxmlformats.org/markup-compatibility/2006">
-          <mc:Choice xmlns:p14="http://schemas.microsoft.com/office/powerpoint/2010/main" Requires="p14">
+        <mc:AlternateContent xmlns:mc="http://schemas.openxmlformats.org/markup-compatibility/2006" xmlns:p14="http://schemas.microsoft.com/office/powerpoint/2010/main">
+          <mc:Choice Requires="p14">
             <p:contentPart p14:bwMode="auto" r:id="rId57">
               <p14:nvContentPartPr>
                 <p14:cNvPr id="63" name="Ink 62">
@@ -27754,7 +27767,7 @@
               </p14:xfrm>
             </p:contentPart>
           </mc:Choice>
-          <mc:Fallback>
+          <mc:Fallback xmlns="">
             <p:pic>
               <p:nvPicPr>
                 <p:cNvPr id="63" name="Ink 62">
@@ -27785,8 +27798,8 @@
             </p:pic>
           </mc:Fallback>
         </mc:AlternateContent>
-        <mc:AlternateContent xmlns:mc="http://schemas.openxmlformats.org/markup-compatibility/2006">
-          <mc:Choice xmlns:p14="http://schemas.microsoft.com/office/powerpoint/2010/main" Requires="p14">
+        <mc:AlternateContent xmlns:mc="http://schemas.openxmlformats.org/markup-compatibility/2006" xmlns:p14="http://schemas.microsoft.com/office/powerpoint/2010/main">
+          <mc:Choice Requires="p14">
             <p:contentPart p14:bwMode="auto" r:id="rId59">
               <p14:nvContentPartPr>
                 <p14:cNvPr id="66" name="Ink 65">
@@ -27805,7 +27818,7 @@
               </p14:xfrm>
             </p:contentPart>
           </mc:Choice>
-          <mc:Fallback>
+          <mc:Fallback xmlns="">
             <p:pic>
               <p:nvPicPr>
                 <p:cNvPr id="66" name="Ink 65">
@@ -27857,8 +27870,8 @@
             <a:chExt cx="560589" cy="117978"/>
           </a:xfrm>
         </p:grpSpPr>
-        <mc:AlternateContent xmlns:mc="http://schemas.openxmlformats.org/markup-compatibility/2006">
-          <mc:Choice xmlns:p14="http://schemas.microsoft.com/office/powerpoint/2010/main" Requires="p14">
+        <mc:AlternateContent xmlns:mc="http://schemas.openxmlformats.org/markup-compatibility/2006" xmlns:p14="http://schemas.microsoft.com/office/powerpoint/2010/main">
+          <mc:Choice Requires="p14">
             <p:contentPart p14:bwMode="auto" r:id="rId61">
               <p14:nvContentPartPr>
                 <p14:cNvPr id="70" name="Ink 69">
@@ -27877,7 +27890,7 @@
               </p14:xfrm>
             </p:contentPart>
           </mc:Choice>
-          <mc:Fallback>
+          <mc:Fallback xmlns="">
             <p:pic>
               <p:nvPicPr>
                 <p:cNvPr id="70" name="Ink 69">
@@ -27908,8 +27921,8 @@
             </p:pic>
           </mc:Fallback>
         </mc:AlternateContent>
-        <mc:AlternateContent xmlns:mc="http://schemas.openxmlformats.org/markup-compatibility/2006">
-          <mc:Choice xmlns:p14="http://schemas.microsoft.com/office/powerpoint/2010/main" Requires="p14">
+        <mc:AlternateContent xmlns:mc="http://schemas.openxmlformats.org/markup-compatibility/2006" xmlns:p14="http://schemas.microsoft.com/office/powerpoint/2010/main">
+          <mc:Choice Requires="p14">
             <p:contentPart p14:bwMode="auto" r:id="rId63">
               <p14:nvContentPartPr>
                 <p14:cNvPr id="71" name="Ink 70">
@@ -27928,7 +27941,7 @@
               </p14:xfrm>
             </p:contentPart>
           </mc:Choice>
-          <mc:Fallback>
+          <mc:Fallback xmlns="">
             <p:pic>
               <p:nvPicPr>
                 <p:cNvPr id="71" name="Ink 70">
@@ -27959,8 +27972,8 @@
             </p:pic>
           </mc:Fallback>
         </mc:AlternateContent>
-        <mc:AlternateContent xmlns:mc="http://schemas.openxmlformats.org/markup-compatibility/2006">
-          <mc:Choice xmlns:p14="http://schemas.microsoft.com/office/powerpoint/2010/main" Requires="p14">
+        <mc:AlternateContent xmlns:mc="http://schemas.openxmlformats.org/markup-compatibility/2006" xmlns:p14="http://schemas.microsoft.com/office/powerpoint/2010/main">
+          <mc:Choice Requires="p14">
             <p:contentPart p14:bwMode="auto" r:id="rId65">
               <p14:nvContentPartPr>
                 <p14:cNvPr id="72" name="Ink 71">
@@ -27979,7 +27992,7 @@
               </p14:xfrm>
             </p:contentPart>
           </mc:Choice>
-          <mc:Fallback>
+          <mc:Fallback xmlns="">
             <p:pic>
               <p:nvPicPr>
                 <p:cNvPr id="72" name="Ink 71">
@@ -28010,8 +28023,8 @@
             </p:pic>
           </mc:Fallback>
         </mc:AlternateContent>
-        <mc:AlternateContent xmlns:mc="http://schemas.openxmlformats.org/markup-compatibility/2006">
-          <mc:Choice xmlns:p14="http://schemas.microsoft.com/office/powerpoint/2010/main" Requires="p14">
+        <mc:AlternateContent xmlns:mc="http://schemas.openxmlformats.org/markup-compatibility/2006" xmlns:p14="http://schemas.microsoft.com/office/powerpoint/2010/main">
+          <mc:Choice Requires="p14">
             <p:contentPart p14:bwMode="auto" r:id="rId67">
               <p14:nvContentPartPr>
                 <p14:cNvPr id="74" name="Ink 73">
@@ -28030,7 +28043,7 @@
               </p14:xfrm>
             </p:contentPart>
           </mc:Choice>
-          <mc:Fallback>
+          <mc:Fallback xmlns="">
             <p:pic>
               <p:nvPicPr>
                 <p:cNvPr id="74" name="Ink 73">
@@ -28061,8 +28074,8 @@
             </p:pic>
           </mc:Fallback>
         </mc:AlternateContent>
-        <mc:AlternateContent xmlns:mc="http://schemas.openxmlformats.org/markup-compatibility/2006">
-          <mc:Choice xmlns:p14="http://schemas.microsoft.com/office/powerpoint/2010/main" Requires="p14">
+        <mc:AlternateContent xmlns:mc="http://schemas.openxmlformats.org/markup-compatibility/2006" xmlns:p14="http://schemas.microsoft.com/office/powerpoint/2010/main">
+          <mc:Choice Requires="p14">
             <p:contentPart p14:bwMode="auto" r:id="rId69">
               <p14:nvContentPartPr>
                 <p14:cNvPr id="75" name="Ink 74">
@@ -28081,7 +28094,7 @@
               </p14:xfrm>
             </p:contentPart>
           </mc:Choice>
-          <mc:Fallback>
+          <mc:Fallback xmlns="">
             <p:pic>
               <p:nvPicPr>
                 <p:cNvPr id="75" name="Ink 74">
@@ -28133,8 +28146,8 @@
             <a:chExt cx="236546" cy="87818"/>
           </a:xfrm>
         </p:grpSpPr>
-        <mc:AlternateContent xmlns:mc="http://schemas.openxmlformats.org/markup-compatibility/2006">
-          <mc:Choice xmlns:p14="http://schemas.microsoft.com/office/powerpoint/2010/main" Requires="p14">
+        <mc:AlternateContent xmlns:mc="http://schemas.openxmlformats.org/markup-compatibility/2006" xmlns:p14="http://schemas.microsoft.com/office/powerpoint/2010/main">
+          <mc:Choice Requires="p14">
             <p:contentPart p14:bwMode="auto" r:id="rId71">
               <p14:nvContentPartPr>
                 <p14:cNvPr id="13" name="Ink 12">
@@ -28153,7 +28166,7 @@
               </p14:xfrm>
             </p:contentPart>
           </mc:Choice>
-          <mc:Fallback>
+          <mc:Fallback xmlns="">
             <p:pic>
               <p:nvPicPr>
                 <p:cNvPr id="13" name="Ink 12">
@@ -28184,8 +28197,8 @@
             </p:pic>
           </mc:Fallback>
         </mc:AlternateContent>
-        <mc:AlternateContent xmlns:mc="http://schemas.openxmlformats.org/markup-compatibility/2006">
-          <mc:Choice xmlns:p14="http://schemas.microsoft.com/office/powerpoint/2010/main" Requires="p14">
+        <mc:AlternateContent xmlns:mc="http://schemas.openxmlformats.org/markup-compatibility/2006" xmlns:p14="http://schemas.microsoft.com/office/powerpoint/2010/main">
+          <mc:Choice Requires="p14">
             <p:contentPart p14:bwMode="auto" r:id="rId73">
               <p14:nvContentPartPr>
                 <p14:cNvPr id="14" name="Ink 13">
@@ -28204,7 +28217,7 @@
               </p14:xfrm>
             </p:contentPart>
           </mc:Choice>
-          <mc:Fallback>
+          <mc:Fallback xmlns="">
             <p:pic>
               <p:nvPicPr>
                 <p:cNvPr id="14" name="Ink 13">
@@ -28235,8 +28248,8 @@
             </p:pic>
           </mc:Fallback>
         </mc:AlternateContent>
-        <mc:AlternateContent xmlns:mc="http://schemas.openxmlformats.org/markup-compatibility/2006">
-          <mc:Choice xmlns:p14="http://schemas.microsoft.com/office/powerpoint/2010/main" Requires="p14">
+        <mc:AlternateContent xmlns:mc="http://schemas.openxmlformats.org/markup-compatibility/2006" xmlns:p14="http://schemas.microsoft.com/office/powerpoint/2010/main">
+          <mc:Choice Requires="p14">
             <p:contentPart p14:bwMode="auto" r:id="rId75">
               <p14:nvContentPartPr>
                 <p14:cNvPr id="15" name="Ink 14">
@@ -28255,7 +28268,7 @@
               </p14:xfrm>
             </p:contentPart>
           </mc:Choice>
-          <mc:Fallback>
+          <mc:Fallback xmlns="">
             <p:pic>
               <p:nvPicPr>
                 <p:cNvPr id="15" name="Ink 14">
@@ -28286,8 +28299,8 @@
             </p:pic>
           </mc:Fallback>
         </mc:AlternateContent>
-        <mc:AlternateContent xmlns:mc="http://schemas.openxmlformats.org/markup-compatibility/2006">
-          <mc:Choice xmlns:p14="http://schemas.microsoft.com/office/powerpoint/2010/main" Requires="p14">
+        <mc:AlternateContent xmlns:mc="http://schemas.openxmlformats.org/markup-compatibility/2006" xmlns:p14="http://schemas.microsoft.com/office/powerpoint/2010/main">
+          <mc:Choice Requires="p14">
             <p:contentPart p14:bwMode="auto" r:id="rId77">
               <p14:nvContentPartPr>
                 <p14:cNvPr id="17" name="Ink 16">
@@ -28306,7 +28319,7 @@
               </p14:xfrm>
             </p:contentPart>
           </mc:Choice>
-          <mc:Fallback>
+          <mc:Fallback xmlns="">
             <p:pic>
               <p:nvPicPr>
                 <p:cNvPr id="17" name="Ink 16">
@@ -28337,8 +28350,8 @@
             </p:pic>
           </mc:Fallback>
         </mc:AlternateContent>
-        <mc:AlternateContent xmlns:mc="http://schemas.openxmlformats.org/markup-compatibility/2006">
-          <mc:Choice xmlns:p14="http://schemas.microsoft.com/office/powerpoint/2010/main" Requires="p14">
+        <mc:AlternateContent xmlns:mc="http://schemas.openxmlformats.org/markup-compatibility/2006" xmlns:p14="http://schemas.microsoft.com/office/powerpoint/2010/main">
+          <mc:Choice Requires="p14">
             <p:contentPart p14:bwMode="auto" r:id="rId79">
               <p14:nvContentPartPr>
                 <p14:cNvPr id="77" name="Ink 76">
@@ -28357,7 +28370,7 @@
               </p14:xfrm>
             </p:contentPart>
           </mc:Choice>
-          <mc:Fallback>
+          <mc:Fallback xmlns="">
             <p:pic>
               <p:nvPicPr>
                 <p:cNvPr id="77" name="Ink 76">
@@ -28389,8 +28402,8 @@
           </mc:Fallback>
         </mc:AlternateContent>
       </p:grpSp>
-      <mc:AlternateContent xmlns:mc="http://schemas.openxmlformats.org/markup-compatibility/2006">
-        <mc:Choice xmlns:p14="http://schemas.microsoft.com/office/powerpoint/2010/main" Requires="p14">
+      <mc:AlternateContent xmlns:mc="http://schemas.openxmlformats.org/markup-compatibility/2006" xmlns:p14="http://schemas.microsoft.com/office/powerpoint/2010/main">
+        <mc:Choice Requires="p14">
           <p:contentPart p14:bwMode="auto" r:id="rId81">
             <p14:nvContentPartPr>
               <p14:cNvPr id="84" name="Ink 83">
@@ -28409,7 +28422,7 @@
             </p14:xfrm>
           </p:contentPart>
         </mc:Choice>
-        <mc:Fallback>
+        <mc:Fallback xmlns="">
           <p:pic>
             <p:nvPicPr>
               <p:cNvPr id="84" name="Ink 83">
@@ -28440,8 +28453,8 @@
           </p:pic>
         </mc:Fallback>
       </mc:AlternateContent>
-      <mc:AlternateContent xmlns:mc="http://schemas.openxmlformats.org/markup-compatibility/2006">
-        <mc:Choice xmlns:p14="http://schemas.microsoft.com/office/powerpoint/2010/main" Requires="p14">
+      <mc:AlternateContent xmlns:mc="http://schemas.openxmlformats.org/markup-compatibility/2006" xmlns:p14="http://schemas.microsoft.com/office/powerpoint/2010/main">
+        <mc:Choice Requires="p14">
           <p:contentPart p14:bwMode="auto" r:id="rId83">
             <p14:nvContentPartPr>
               <p14:cNvPr id="86" name="Ink 85">
@@ -28460,7 +28473,7 @@
             </p14:xfrm>
           </p:contentPart>
         </mc:Choice>
-        <mc:Fallback>
+        <mc:Fallback xmlns="">
           <p:pic>
             <p:nvPicPr>
               <p:cNvPr id="86" name="Ink 85">
@@ -28491,8 +28504,8 @@
           </p:pic>
         </mc:Fallback>
       </mc:AlternateContent>
-      <mc:AlternateContent xmlns:mc="http://schemas.openxmlformats.org/markup-compatibility/2006">
-        <mc:Choice xmlns:p14="http://schemas.microsoft.com/office/powerpoint/2010/main" Requires="p14">
+      <mc:AlternateContent xmlns:mc="http://schemas.openxmlformats.org/markup-compatibility/2006" xmlns:p14="http://schemas.microsoft.com/office/powerpoint/2010/main">
+        <mc:Choice Requires="p14">
           <p:contentPart p14:bwMode="auto" r:id="rId85">
             <p14:nvContentPartPr>
               <p14:cNvPr id="88" name="Ink 87">
@@ -28511,7 +28524,7 @@
             </p14:xfrm>
           </p:contentPart>
         </mc:Choice>
-        <mc:Fallback>
+        <mc:Fallback xmlns="">
           <p:pic>
             <p:nvPicPr>
               <p:cNvPr id="88" name="Ink 87">
@@ -28562,8 +28575,8 @@
             <a:chExt cx="310247" cy="298217"/>
           </a:xfrm>
         </p:grpSpPr>
-        <mc:AlternateContent xmlns:mc="http://schemas.openxmlformats.org/markup-compatibility/2006">
-          <mc:Choice xmlns:p14="http://schemas.microsoft.com/office/powerpoint/2010/main" Requires="p14">
+        <mc:AlternateContent xmlns:mc="http://schemas.openxmlformats.org/markup-compatibility/2006" xmlns:p14="http://schemas.microsoft.com/office/powerpoint/2010/main">
+          <mc:Choice Requires="p14">
             <p:contentPart p14:bwMode="auto" r:id="rId87">
               <p14:nvContentPartPr>
                 <p14:cNvPr id="79" name="Ink 78">
@@ -28582,7 +28595,7 @@
               </p14:xfrm>
             </p:contentPart>
           </mc:Choice>
-          <mc:Fallback>
+          <mc:Fallback xmlns="">
             <p:pic>
               <p:nvPicPr>
                 <p:cNvPr id="79" name="Ink 78">
@@ -28613,8 +28626,8 @@
             </p:pic>
           </mc:Fallback>
         </mc:AlternateContent>
-        <mc:AlternateContent xmlns:mc="http://schemas.openxmlformats.org/markup-compatibility/2006">
-          <mc:Choice xmlns:p14="http://schemas.microsoft.com/office/powerpoint/2010/main" Requires="p14">
+        <mc:AlternateContent xmlns:mc="http://schemas.openxmlformats.org/markup-compatibility/2006" xmlns:p14="http://schemas.microsoft.com/office/powerpoint/2010/main">
+          <mc:Choice Requires="p14">
             <p:contentPart p14:bwMode="auto" r:id="rId89">
               <p14:nvContentPartPr>
                 <p14:cNvPr id="80" name="Ink 79">
@@ -28633,7 +28646,7 @@
               </p14:xfrm>
             </p:contentPart>
           </mc:Choice>
-          <mc:Fallback>
+          <mc:Fallback xmlns="">
             <p:pic>
               <p:nvPicPr>
                 <p:cNvPr id="80" name="Ink 79">
@@ -28664,8 +28677,8 @@
             </p:pic>
           </mc:Fallback>
         </mc:AlternateContent>
-        <mc:AlternateContent xmlns:mc="http://schemas.openxmlformats.org/markup-compatibility/2006">
-          <mc:Choice xmlns:p14="http://schemas.microsoft.com/office/powerpoint/2010/main" Requires="p14">
+        <mc:AlternateContent xmlns:mc="http://schemas.openxmlformats.org/markup-compatibility/2006" xmlns:p14="http://schemas.microsoft.com/office/powerpoint/2010/main">
+          <mc:Choice Requires="p14">
             <p:contentPart p14:bwMode="auto" r:id="rId91">
               <p14:nvContentPartPr>
                 <p14:cNvPr id="82" name="Ink 81">
@@ -28684,7 +28697,7 @@
               </p14:xfrm>
             </p:contentPart>
           </mc:Choice>
-          <mc:Fallback>
+          <mc:Fallback xmlns="">
             <p:pic>
               <p:nvPicPr>
                 <p:cNvPr id="82" name="Ink 81">
@@ -28715,8 +28728,8 @@
             </p:pic>
           </mc:Fallback>
         </mc:AlternateContent>
-        <mc:AlternateContent xmlns:mc="http://schemas.openxmlformats.org/markup-compatibility/2006">
-          <mc:Choice xmlns:p14="http://schemas.microsoft.com/office/powerpoint/2010/main" Requires="p14">
+        <mc:AlternateContent xmlns:mc="http://schemas.openxmlformats.org/markup-compatibility/2006" xmlns:p14="http://schemas.microsoft.com/office/powerpoint/2010/main">
+          <mc:Choice Requires="p14">
             <p:contentPart p14:bwMode="auto" r:id="rId93">
               <p14:nvContentPartPr>
                 <p14:cNvPr id="89" name="Ink 88">
@@ -28735,7 +28748,7 @@
               </p14:xfrm>
             </p:contentPart>
           </mc:Choice>
-          <mc:Fallback>
+          <mc:Fallback xmlns="">
             <p:pic>
               <p:nvPicPr>
                 <p:cNvPr id="89" name="Ink 88">
